--- a/docs/songs_2024-09-22.pptx
+++ b/docs/songs_2024-09-22.pptx
@@ -5,7 +5,7 @@
     <p:sldMasterId id="2147483648" r:id="rId1"/>
   </p:sldMasterIdLst>
   <p:notesMasterIdLst>
-    <p:notesMasterId r:id="rId55"/>
+    <p:notesMasterId r:id="rId69"/>
   </p:notesMasterIdLst>
   <p:sldIdLst>
     <p:sldId id="950" r:id="rId2"/>
@@ -60,7 +60,21 @@
     <p:sldId id="1248" r:id="rId51"/>
     <p:sldId id="1249" r:id="rId52"/>
     <p:sldId id="1250" r:id="rId53"/>
-    <p:sldId id="946" r:id="rId54"/>
+    <p:sldId id="656" r:id="rId54"/>
+    <p:sldId id="657" r:id="rId55"/>
+    <p:sldId id="661" r:id="rId56"/>
+    <p:sldId id="658" r:id="rId57"/>
+    <p:sldId id="659" r:id="rId58"/>
+    <p:sldId id="660" r:id="rId59"/>
+    <p:sldId id="713" r:id="rId60"/>
+    <p:sldId id="1225" r:id="rId61"/>
+    <p:sldId id="1251" r:id="rId62"/>
+    <p:sldId id="1252" r:id="rId63"/>
+    <p:sldId id="1253" r:id="rId64"/>
+    <p:sldId id="1254" r:id="rId65"/>
+    <p:sldId id="1255" r:id="rId66"/>
+    <p:sldId id="1256" r:id="rId67"/>
+    <p:sldId id="662" r:id="rId68"/>
   </p:sldIdLst>
   <p:sldSz cx="9144000" cy="6858000" type="screen4x3"/>
   <p:notesSz cx="6858000" cy="9144000"/>
@@ -216,7 +230,21 @@
             <p14:sldId id="1248"/>
             <p14:sldId id="1249"/>
             <p14:sldId id="1250"/>
-            <p14:sldId id="946"/>
+            <p14:sldId id="656"/>
+            <p14:sldId id="657"/>
+            <p14:sldId id="661"/>
+            <p14:sldId id="658"/>
+            <p14:sldId id="659"/>
+            <p14:sldId id="660"/>
+            <p14:sldId id="713"/>
+            <p14:sldId id="1225"/>
+            <p14:sldId id="1251"/>
+            <p14:sldId id="1252"/>
+            <p14:sldId id="1253"/>
+            <p14:sldId id="1254"/>
+            <p14:sldId id="1255"/>
+            <p14:sldId id="1256"/>
+            <p14:sldId id="662"/>
           </p14:sldIdLst>
         </p14:section>
       </p14:sectionLst>
@@ -321,7 +349,7 @@
           <a:p>
             <a:fld id="{C57EAEFC-A9C7-464E-BE3F-33D4DD72E122}" type="datetimeFigureOut">
               <a:rPr lang="en-GB" smtClean="0"/>
-              <a:t>16/09/2024</a:t>
+              <a:t>22/09/2024</a:t>
             </a:fld>
             <a:endParaRPr lang="en-GB"/>
           </a:p>
@@ -733,90 +761,6 @@
 </p:notes>
 </file>
 
-<file path=ppt/notesSlides/notesSlide2.xml><?xml version="1.0" encoding="utf-8"?>
-<p:notes xmlns:a="http://schemas.openxmlformats.org/drawingml/2006/main" xmlns:r="http://schemas.openxmlformats.org/officeDocument/2006/relationships" xmlns:p="http://schemas.openxmlformats.org/presentationml/2006/main">
-  <p:cSld>
-    <p:spTree>
-      <p:nvGrpSpPr>
-        <p:cNvPr id="1" name=""/>
-        <p:cNvGrpSpPr/>
-        <p:nvPr/>
-      </p:nvGrpSpPr>
-      <p:grpSpPr>
-        <a:xfrm>
-          <a:off x="0" y="0"/>
-          <a:ext cx="0" cy="0"/>
-          <a:chOff x="0" y="0"/>
-          <a:chExt cx="0" cy="0"/>
-        </a:xfrm>
-      </p:grpSpPr>
-      <p:sp>
-        <p:nvSpPr>
-          <p:cNvPr id="2" name="Slide Image Placeholder 1"/>
-          <p:cNvSpPr>
-            <a:spLocks noGrp="1" noRot="1" noChangeAspect="1"/>
-          </p:cNvSpPr>
-          <p:nvPr>
-            <p:ph type="sldImg"/>
-          </p:nvPr>
-        </p:nvSpPr>
-        <p:spPr/>
-      </p:sp>
-      <p:sp>
-        <p:nvSpPr>
-          <p:cNvPr id="3" name="Notes Placeholder 2"/>
-          <p:cNvSpPr>
-            <a:spLocks noGrp="1"/>
-          </p:cNvSpPr>
-          <p:nvPr>
-            <p:ph type="body" idx="1"/>
-          </p:nvPr>
-        </p:nvSpPr>
-        <p:spPr/>
-        <p:txBody>
-          <a:bodyPr/>
-          <a:lstStyle/>
-          <a:p>
-            <a:endParaRPr lang="en-GB" dirty="0"/>
-          </a:p>
-        </p:txBody>
-      </p:sp>
-      <p:sp>
-        <p:nvSpPr>
-          <p:cNvPr id="4" name="Slide Number Placeholder 3"/>
-          <p:cNvSpPr>
-            <a:spLocks noGrp="1"/>
-          </p:cNvSpPr>
-          <p:nvPr>
-            <p:ph type="sldNum" sz="quarter" idx="5"/>
-          </p:nvPr>
-        </p:nvSpPr>
-        <p:spPr/>
-        <p:txBody>
-          <a:bodyPr/>
-          <a:lstStyle/>
-          <a:p>
-            <a:fld id="{E79B61DE-1D46-4752-AF65-FA2C4EB0D1D0}" type="slidenum">
-              <a:rPr lang="en-GB" smtClean="0"/>
-              <a:t>53</a:t>
-            </a:fld>
-            <a:endParaRPr lang="en-GB"/>
-          </a:p>
-        </p:txBody>
-      </p:sp>
-    </p:spTree>
-    <p:extLst>
-      <p:ext uri="{BB962C8B-B14F-4D97-AF65-F5344CB8AC3E}">
-        <p14:creationId xmlns:p14="http://schemas.microsoft.com/office/powerpoint/2010/main" val="692174876"/>
-      </p:ext>
-    </p:extLst>
-  </p:cSld>
-  <p:clrMapOvr>
-    <a:masterClrMapping/>
-  </p:clrMapOvr>
-</p:notes>
-</file>
-
 <file path=ppt/slideLayouts/slideLayout1.xml><?xml version="1.0" encoding="utf-8"?>
 <p:sldLayout xmlns:a="http://schemas.openxmlformats.org/drawingml/2006/main" xmlns:r="http://schemas.openxmlformats.org/officeDocument/2006/relationships" xmlns:p="http://schemas.openxmlformats.org/presentationml/2006/main" type="title" preserve="1">
   <p:cSld name="Title Slide">
@@ -999,7 +943,7 @@
             <a:fld id="{26EA1CF3-4A15-4CBF-9A5A-6A56C368BE71}" type="datetimeFigureOut">
               <a:rPr lang="en-GB" smtClean="0"/>
               <a:pPr/>
-              <a:t>16/09/2024</a:t>
+              <a:t>22/09/2024</a:t>
             </a:fld>
             <a:endParaRPr lang="en-GB"/>
           </a:p>
@@ -1166,7 +1110,7 @@
             <a:fld id="{26EA1CF3-4A15-4CBF-9A5A-6A56C368BE71}" type="datetimeFigureOut">
               <a:rPr lang="en-GB" smtClean="0"/>
               <a:pPr/>
-              <a:t>16/09/2024</a:t>
+              <a:t>22/09/2024</a:t>
             </a:fld>
             <a:endParaRPr lang="en-GB"/>
           </a:p>
@@ -1343,7 +1287,7 @@
             <a:fld id="{26EA1CF3-4A15-4CBF-9A5A-6A56C368BE71}" type="datetimeFigureOut">
               <a:rPr lang="en-GB" smtClean="0"/>
               <a:pPr/>
-              <a:t>16/09/2024</a:t>
+              <a:t>22/09/2024</a:t>
             </a:fld>
             <a:endParaRPr lang="en-GB"/>
           </a:p>
@@ -1510,7 +1454,7 @@
             <a:fld id="{26EA1CF3-4A15-4CBF-9A5A-6A56C368BE71}" type="datetimeFigureOut">
               <a:rPr lang="en-GB" smtClean="0"/>
               <a:pPr/>
-              <a:t>16/09/2024</a:t>
+              <a:t>22/09/2024</a:t>
             </a:fld>
             <a:endParaRPr lang="en-GB"/>
           </a:p>
@@ -1753,7 +1697,7 @@
             <a:fld id="{26EA1CF3-4A15-4CBF-9A5A-6A56C368BE71}" type="datetimeFigureOut">
               <a:rPr lang="en-GB" smtClean="0"/>
               <a:pPr/>
-              <a:t>16/09/2024</a:t>
+              <a:t>22/09/2024</a:t>
             </a:fld>
             <a:endParaRPr lang="en-GB"/>
           </a:p>
@@ -2038,7 +1982,7 @@
             <a:fld id="{26EA1CF3-4A15-4CBF-9A5A-6A56C368BE71}" type="datetimeFigureOut">
               <a:rPr lang="en-GB" smtClean="0"/>
               <a:pPr/>
-              <a:t>16/09/2024</a:t>
+              <a:t>22/09/2024</a:t>
             </a:fld>
             <a:endParaRPr lang="en-GB"/>
           </a:p>
@@ -2457,7 +2401,7 @@
             <a:fld id="{26EA1CF3-4A15-4CBF-9A5A-6A56C368BE71}" type="datetimeFigureOut">
               <a:rPr lang="en-GB" smtClean="0"/>
               <a:pPr/>
-              <a:t>16/09/2024</a:t>
+              <a:t>22/09/2024</a:t>
             </a:fld>
             <a:endParaRPr lang="en-GB"/>
           </a:p>
@@ -2572,7 +2516,7 @@
             <a:fld id="{26EA1CF3-4A15-4CBF-9A5A-6A56C368BE71}" type="datetimeFigureOut">
               <a:rPr lang="en-GB" smtClean="0"/>
               <a:pPr/>
-              <a:t>16/09/2024</a:t>
+              <a:t>22/09/2024</a:t>
             </a:fld>
             <a:endParaRPr lang="en-GB"/>
           </a:p>
@@ -2664,7 +2608,7 @@
             <a:fld id="{26EA1CF3-4A15-4CBF-9A5A-6A56C368BE71}" type="datetimeFigureOut">
               <a:rPr lang="en-GB" smtClean="0"/>
               <a:pPr/>
-              <a:t>16/09/2024</a:t>
+              <a:t>22/09/2024</a:t>
             </a:fld>
             <a:endParaRPr lang="en-GB"/>
           </a:p>
@@ -2938,7 +2882,7 @@
             <a:fld id="{26EA1CF3-4A15-4CBF-9A5A-6A56C368BE71}" type="datetimeFigureOut">
               <a:rPr lang="en-GB" smtClean="0"/>
               <a:pPr/>
-              <a:t>16/09/2024</a:t>
+              <a:t>22/09/2024</a:t>
             </a:fld>
             <a:endParaRPr lang="en-GB"/>
           </a:p>
@@ -3188,7 +3132,7 @@
             <a:fld id="{26EA1CF3-4A15-4CBF-9A5A-6A56C368BE71}" type="datetimeFigureOut">
               <a:rPr lang="en-GB" smtClean="0"/>
               <a:pPr/>
-              <a:t>16/09/2024</a:t>
+              <a:t>22/09/2024</a:t>
             </a:fld>
             <a:endParaRPr lang="en-GB"/>
           </a:p>
@@ -3397,7 +3341,7 @@
             <a:fld id="{26EA1CF3-4A15-4CBF-9A5A-6A56C368BE71}" type="datetimeFigureOut">
               <a:rPr lang="en-GB" smtClean="0"/>
               <a:pPr/>
-              <a:t>16/09/2024</a:t>
+              <a:t>22/09/2024</a:t>
             </a:fld>
             <a:endParaRPr lang="en-GB"/>
           </a:p>
@@ -4937,7 +4881,7 @@
                   <a:schemeClr val="bg1"/>
                 </a:solidFill>
               </a:rPr>
-              <a:t>The King of Glory the King of Glory</a:t>
+              <a:t>The King of Glory the King above all kings</a:t>
             </a:r>
           </a:p>
         </p:txBody>
@@ -11418,438 +11362,492 @@
       </p:grpSpPr>
       <p:sp>
         <p:nvSpPr>
-          <p:cNvPr id="2" name="Title 1">
-            <a:extLst>
-              <a:ext uri="{FF2B5EF4-FFF2-40B4-BE49-F238E27FC236}">
-                <a16:creationId xmlns:a16="http://schemas.microsoft.com/office/drawing/2014/main" id="{8D906D2A-5E68-F15C-89E4-2DBC4F4793A3}"/>
-              </a:ext>
-            </a:extLst>
-          </p:cNvPr>
-          <p:cNvSpPr txBox="1">
-            <a:spLocks/>
+          <p:cNvPr id="3" name="Subtitle 2"/>
+          <p:cNvSpPr>
+            <a:spLocks noGrp="1"/>
           </p:cNvSpPr>
+          <p:nvPr>
+            <p:ph type="subTitle" idx="1"/>
+          </p:nvPr>
+        </p:nvSpPr>
+        <p:spPr>
+          <a:xfrm>
+            <a:off x="323528" y="188640"/>
+            <a:ext cx="8640960" cy="6480720"/>
+          </a:xfrm>
+        </p:spPr>
+        <p:txBody>
+          <a:bodyPr>
+            <a:noAutofit/>
+          </a:bodyPr>
+          <a:lstStyle/>
+          <a:p>
+            <a:endParaRPr lang="en-GB" sz="5400" dirty="0">
+              <a:solidFill>
+                <a:schemeClr val="bg1"/>
+              </a:solidFill>
+            </a:endParaRPr>
+          </a:p>
+          <a:p>
+            <a:r>
+              <a:rPr lang="en-GB" sz="6600" b="0" i="0" dirty="0">
+                <a:solidFill>
+                  <a:srgbClr val="00A3E0"/>
+                </a:solidFill>
+                <a:effectLst/>
+                <a:latin typeface="akagi_probook"/>
+              </a:rPr>
+              <a:t>Firm Foundation </a:t>
+            </a:r>
+            <a:br>
+              <a:rPr lang="en-GB" sz="6600" b="0" i="0" dirty="0">
+                <a:solidFill>
+                  <a:srgbClr val="00A3E0"/>
+                </a:solidFill>
+                <a:effectLst/>
+                <a:latin typeface="akagi_probook"/>
+              </a:rPr>
+            </a:br>
+            <a:r>
+              <a:rPr lang="en-GB" sz="6600" b="0" i="0" dirty="0">
+                <a:solidFill>
+                  <a:srgbClr val="00A3E0"/>
+                </a:solidFill>
+                <a:effectLst/>
+                <a:latin typeface="akagi_probook"/>
+              </a:rPr>
+              <a:t>(He Won't)</a:t>
+            </a:r>
+          </a:p>
+          <a:p>
+            <a:br>
+              <a:rPr lang="en-GB" sz="1200" dirty="0">
+                <a:solidFill>
+                  <a:schemeClr val="bg1"/>
+                </a:solidFill>
+              </a:rPr>
+            </a:br>
+            <a:r>
+              <a:rPr lang="en-GB" sz="1200" dirty="0">
+                <a:solidFill>
+                  <a:schemeClr val="bg1"/>
+                </a:solidFill>
+              </a:rPr>
+              <a:t>CCLI Song # 7188203</a:t>
+            </a:r>
+          </a:p>
+          <a:p>
+            <a:endParaRPr lang="en-GB" sz="1200" dirty="0">
+              <a:solidFill>
+                <a:schemeClr val="bg1"/>
+              </a:solidFill>
+            </a:endParaRPr>
+          </a:p>
+          <a:p>
+            <a:r>
+              <a:rPr lang="en-GB" sz="1200" dirty="0">
+                <a:solidFill>
+                  <a:schemeClr val="bg1"/>
+                </a:solidFill>
+              </a:rPr>
+              <a:t>Austin Davis | Chandler Moore | Cody Carnes</a:t>
+            </a:r>
+          </a:p>
+          <a:p>
+            <a:endParaRPr lang="en-GB" sz="1200" dirty="0">
+              <a:solidFill>
+                <a:schemeClr val="bg1"/>
+              </a:solidFill>
+            </a:endParaRPr>
+          </a:p>
+          <a:p>
+            <a:r>
+              <a:rPr lang="en-GB" sz="1200" dirty="0">
+                <a:solidFill>
+                  <a:schemeClr val="bg1"/>
+                </a:solidFill>
+              </a:rPr>
+              <a:t>© 2021 For Humans Publishing (Admin by Essential Music Publishing)</a:t>
+            </a:r>
+          </a:p>
+          <a:p>
+            <a:r>
+              <a:rPr lang="en-GB" sz="1200" dirty="0">
+                <a:solidFill>
+                  <a:schemeClr val="bg1"/>
+                </a:solidFill>
+              </a:rPr>
+              <a:t>Maverick City Publishing (Admin by Essential Music Publishing)</a:t>
+            </a:r>
+          </a:p>
+          <a:p>
+            <a:r>
+              <a:rPr lang="en-GB" sz="1200" dirty="0">
+                <a:solidFill>
+                  <a:schemeClr val="bg1"/>
+                </a:solidFill>
+              </a:rPr>
+              <a:t>Capitol CMG Paragon (Admin. by Capitol CMG Publishing)</a:t>
+            </a:r>
+          </a:p>
+          <a:p>
+            <a:r>
+              <a:rPr lang="en-GB" sz="1200" dirty="0">
+                <a:solidFill>
+                  <a:schemeClr val="bg1"/>
+                </a:solidFill>
+              </a:rPr>
+              <a:t>TBCO Publishing (Admin. by Capitol CMG Publishing)</a:t>
+            </a:r>
+          </a:p>
+          <a:p>
+            <a:r>
+              <a:rPr lang="en-GB" sz="1200" dirty="0">
+                <a:solidFill>
+                  <a:schemeClr val="bg1"/>
+                </a:solidFill>
+              </a:rPr>
+              <a:t>Writer's Roof Publishing (Admin. by Capitol CMG Publishing)</a:t>
+            </a:r>
+          </a:p>
+          <a:p>
+            <a:r>
+              <a:rPr lang="en-GB" sz="1200" dirty="0">
+                <a:solidFill>
+                  <a:schemeClr val="bg1"/>
+                </a:solidFill>
+              </a:rPr>
+              <a:t>A.L.K.D. Music (Admin. by Watershed Music Group (Admin. by Capitol CMG Publishing))</a:t>
+            </a:r>
+          </a:p>
+          <a:p>
+            <a:r>
+              <a:rPr lang="en-GB" sz="1200" dirty="0">
+                <a:solidFill>
+                  <a:schemeClr val="bg1"/>
+                </a:solidFill>
+              </a:rPr>
+              <a:t>For use solely with the </a:t>
+            </a:r>
+            <a:r>
+              <a:rPr lang="en-GB" sz="1200" dirty="0" err="1">
+                <a:solidFill>
+                  <a:schemeClr val="bg1"/>
+                </a:solidFill>
+              </a:rPr>
+              <a:t>SongSelect</a:t>
+            </a:r>
+            <a:r>
+              <a:rPr lang="en-GB" sz="1200" dirty="0">
+                <a:solidFill>
+                  <a:schemeClr val="bg1"/>
+                </a:solidFill>
+              </a:rPr>
+              <a:t>® Terms of Use. All rights reserved. www.ccli.com</a:t>
+            </a:r>
+          </a:p>
+          <a:p>
+            <a:endParaRPr lang="en-GB" sz="1200" dirty="0">
+              <a:solidFill>
+                <a:schemeClr val="bg1"/>
+              </a:solidFill>
+            </a:endParaRPr>
+          </a:p>
+          <a:p>
+            <a:r>
+              <a:rPr lang="en-GB" sz="1200" dirty="0">
+                <a:solidFill>
+                  <a:schemeClr val="bg1"/>
+                </a:solidFill>
+              </a:rPr>
+              <a:t>CCLI Licence No. 33265</a:t>
+            </a:r>
+          </a:p>
+        </p:txBody>
+      </p:sp>
+    </p:spTree>
+    <p:extLst>
+      <p:ext uri="{BB962C8B-B14F-4D97-AF65-F5344CB8AC3E}">
+        <p14:creationId xmlns:p14="http://schemas.microsoft.com/office/powerpoint/2010/main" val="1141057996"/>
+      </p:ext>
+    </p:extLst>
+  </p:cSld>
+  <p:clrMapOvr>
+    <a:masterClrMapping/>
+  </p:clrMapOvr>
+</p:sld>
+</file>
+
+<file path=ppt/slides/slide54.xml><?xml version="1.0" encoding="utf-8"?>
+<p:sld xmlns:a="http://schemas.openxmlformats.org/drawingml/2006/main" xmlns:r="http://schemas.openxmlformats.org/officeDocument/2006/relationships" xmlns:p="http://schemas.openxmlformats.org/presentationml/2006/main">
+  <p:cSld>
+    <p:spTree>
+      <p:nvGrpSpPr>
+        <p:cNvPr id="1" name=""/>
+        <p:cNvGrpSpPr/>
+        <p:nvPr/>
+      </p:nvGrpSpPr>
+      <p:grpSpPr>
+        <a:xfrm>
+          <a:off x="0" y="0"/>
+          <a:ext cx="0" cy="0"/>
+          <a:chOff x="0" y="0"/>
+          <a:chExt cx="0" cy="0"/>
+        </a:xfrm>
+      </p:grpSpPr>
+      <p:sp>
+        <p:nvSpPr>
+          <p:cNvPr id="3" name="Subtitle 2"/>
+          <p:cNvSpPr>
+            <a:spLocks noGrp="1"/>
+          </p:cNvSpPr>
+          <p:nvPr>
+            <p:ph type="subTitle" idx="1"/>
+          </p:nvPr>
+        </p:nvSpPr>
+        <p:spPr>
+          <a:xfrm>
+            <a:off x="251520" y="692696"/>
+            <a:ext cx="8640960" cy="6480720"/>
+          </a:xfrm>
+        </p:spPr>
+        <p:txBody>
+          <a:bodyPr>
+            <a:noAutofit/>
+          </a:bodyPr>
+          <a:lstStyle/>
+          <a:p>
+            <a:r>
+              <a:rPr lang="en-GB" sz="3600" dirty="0">
+                <a:solidFill>
+                  <a:schemeClr val="bg1"/>
+                </a:solidFill>
+              </a:rPr>
+              <a:t>Christ is my firm foundation</a:t>
+            </a:r>
+          </a:p>
+          <a:p>
+            <a:r>
+              <a:rPr lang="en-GB" sz="3600" dirty="0">
+                <a:solidFill>
+                  <a:schemeClr val="bg1"/>
+                </a:solidFill>
+              </a:rPr>
+              <a:t>The rock on which I stand</a:t>
+            </a:r>
+          </a:p>
+          <a:p>
+            <a:r>
+              <a:rPr lang="en-GB" sz="3600" dirty="0">
+                <a:solidFill>
+                  <a:schemeClr val="bg1"/>
+                </a:solidFill>
+              </a:rPr>
+              <a:t>When everything around me is shaken</a:t>
+            </a:r>
+          </a:p>
+          <a:p>
+            <a:r>
+              <a:rPr lang="en-GB" sz="3600" dirty="0">
+                <a:solidFill>
+                  <a:schemeClr val="bg1"/>
+                </a:solidFill>
+              </a:rPr>
+              <a:t>I've never been more glad</a:t>
+            </a:r>
+          </a:p>
+          <a:p>
+            <a:r>
+              <a:rPr lang="en-GB" sz="3600" dirty="0">
+                <a:solidFill>
+                  <a:schemeClr val="bg1"/>
+                </a:solidFill>
+              </a:rPr>
+              <a:t>That I put my faith in Jesus</a:t>
+            </a:r>
+          </a:p>
+          <a:p>
+            <a:r>
+              <a:rPr lang="en-GB" sz="3600" dirty="0" err="1">
+                <a:solidFill>
+                  <a:schemeClr val="bg1"/>
+                </a:solidFill>
+              </a:rPr>
+              <a:t>'Cause</a:t>
+            </a:r>
+            <a:r>
+              <a:rPr lang="en-GB" sz="3600" dirty="0">
+                <a:solidFill>
+                  <a:schemeClr val="bg1"/>
+                </a:solidFill>
+              </a:rPr>
+              <a:t> He's never let me down</a:t>
+            </a:r>
+          </a:p>
+          <a:p>
+            <a:r>
+              <a:rPr lang="en-GB" sz="3600" dirty="0">
+                <a:solidFill>
+                  <a:schemeClr val="bg1"/>
+                </a:solidFill>
+              </a:rPr>
+              <a:t>He's faithful through generations</a:t>
+            </a:r>
+          </a:p>
+          <a:p>
+            <a:r>
+              <a:rPr lang="en-GB" sz="3600" dirty="0">
+                <a:solidFill>
+                  <a:schemeClr val="bg1"/>
+                </a:solidFill>
+              </a:rPr>
+              <a:t>So why would He fail now</a:t>
+            </a:r>
+          </a:p>
+        </p:txBody>
+      </p:sp>
+      <p:sp>
+        <p:nvSpPr>
+          <p:cNvPr id="4" name="TextBox 3"/>
+          <p:cNvSpPr txBox="1"/>
           <p:nvPr/>
         </p:nvSpPr>
-        <p:spPr bwMode="auto">
-          <a:xfrm>
-            <a:off x="457200" y="836712"/>
-            <a:ext cx="8229600" cy="489346"/>
+        <p:spPr>
+          <a:xfrm>
+            <a:off x="8529729" y="0"/>
+            <a:ext cx="628698" cy="461665"/>
           </a:xfrm>
           <a:prstGeom prst="rect">
             <a:avLst/>
           </a:prstGeom>
           <a:noFill/>
-          <a:ln>
-            <a:noFill/>
-          </a:ln>
-          <a:extLst>
-            <a:ext uri="{909E8E84-426E-40DD-AFC4-6F175D3DCCD1}">
-              <a14:hiddenFill xmlns:a14="http://schemas.microsoft.com/office/drawing/2010/main">
-                <a:solidFill>
-                  <a:srgbClr val="FFFFFF"/>
-                </a:solidFill>
-              </a14:hiddenFill>
-            </a:ext>
-            <a:ext uri="{91240B29-F687-4F45-9708-019B960494DF}">
-              <a14:hiddenLine xmlns:a14="http://schemas.microsoft.com/office/drawing/2010/main" w="9525">
-                <a:solidFill>
-                  <a:srgbClr val="000000"/>
-                </a:solidFill>
-                <a:miter lim="800000"/>
-                <a:headEnd/>
-                <a:tailEnd/>
-              </a14:hiddenLine>
-            </a:ext>
-          </a:extLst>
-        </p:spPr>
-        <p:txBody>
-          <a:bodyPr vert="horz" wrap="square" lIns="91440" tIns="45720" rIns="91440" bIns="45720" numCol="1" anchor="ctr" anchorCtr="0" compatLnSpc="1">
-            <a:prstTxWarp prst="textNoShape">
-              <a:avLst/>
-            </a:prstTxWarp>
-            <a:normAutofit fontScale="90000" lnSpcReduction="10000"/>
+        </p:spPr>
+        <p:txBody>
+          <a:bodyPr wrap="none" rtlCol="0">
+            <a:spAutoFit/>
           </a:bodyPr>
-          <a:lstStyle>
-            <a:lvl1pPr algn="l" defTabSz="457200" rtl="0" eaLnBrk="1" fontAlgn="base" hangingPunct="1">
-              <a:spcBef>
-                <a:spcPct val="0"/>
-              </a:spcBef>
-              <a:spcAft>
-                <a:spcPct val="0"/>
-              </a:spcAft>
-              <a:defRPr sz="3200" kern="1200">
-                <a:solidFill>
-                  <a:srgbClr val="58595B"/>
-                </a:solidFill>
-                <a:latin typeface="Rockwell"/>
-                <a:ea typeface="+mj-ea"/>
-                <a:cs typeface="+mj-cs"/>
-              </a:defRPr>
-            </a:lvl1pPr>
-            <a:lvl2pPr algn="l" defTabSz="457200" rtl="0" eaLnBrk="1" fontAlgn="base" hangingPunct="1">
-              <a:spcBef>
-                <a:spcPct val="0"/>
-              </a:spcBef>
-              <a:spcAft>
-                <a:spcPct val="0"/>
-              </a:spcAft>
-              <a:defRPr sz="4400">
-                <a:solidFill>
-                  <a:srgbClr val="58595B"/>
-                </a:solidFill>
-                <a:latin typeface="Rockwell" panose="02060603020205020403" pitchFamily="18" charset="0"/>
-              </a:defRPr>
-            </a:lvl2pPr>
-            <a:lvl3pPr algn="l" defTabSz="457200" rtl="0" eaLnBrk="1" fontAlgn="base" hangingPunct="1">
-              <a:spcBef>
-                <a:spcPct val="0"/>
-              </a:spcBef>
-              <a:spcAft>
-                <a:spcPct val="0"/>
-              </a:spcAft>
-              <a:defRPr sz="4400">
-                <a:solidFill>
-                  <a:srgbClr val="58595B"/>
-                </a:solidFill>
-                <a:latin typeface="Rockwell" panose="02060603020205020403" pitchFamily="18" charset="0"/>
-              </a:defRPr>
-            </a:lvl3pPr>
-            <a:lvl4pPr algn="l" defTabSz="457200" rtl="0" eaLnBrk="1" fontAlgn="base" hangingPunct="1">
-              <a:spcBef>
-                <a:spcPct val="0"/>
-              </a:spcBef>
-              <a:spcAft>
-                <a:spcPct val="0"/>
-              </a:spcAft>
-              <a:defRPr sz="4400">
-                <a:solidFill>
-                  <a:srgbClr val="58595B"/>
-                </a:solidFill>
-                <a:latin typeface="Rockwell" panose="02060603020205020403" pitchFamily="18" charset="0"/>
-              </a:defRPr>
-            </a:lvl4pPr>
-            <a:lvl5pPr algn="l" defTabSz="457200" rtl="0" eaLnBrk="1" fontAlgn="base" hangingPunct="1">
-              <a:spcBef>
-                <a:spcPct val="0"/>
-              </a:spcBef>
-              <a:spcAft>
-                <a:spcPct val="0"/>
-              </a:spcAft>
-              <a:defRPr sz="4400">
-                <a:solidFill>
-                  <a:srgbClr val="58595B"/>
-                </a:solidFill>
-                <a:latin typeface="Rockwell" panose="02060603020205020403" pitchFamily="18" charset="0"/>
-              </a:defRPr>
-            </a:lvl5pPr>
-            <a:lvl6pPr marL="457200" algn="l" defTabSz="457200" rtl="0" eaLnBrk="1" fontAlgn="base" hangingPunct="1">
-              <a:spcBef>
-                <a:spcPct val="0"/>
-              </a:spcBef>
-              <a:spcAft>
-                <a:spcPct val="0"/>
-              </a:spcAft>
-              <a:defRPr sz="4400">
-                <a:solidFill>
-                  <a:srgbClr val="58595B"/>
-                </a:solidFill>
-                <a:latin typeface="Rockwell" panose="02060603020205020403" pitchFamily="18" charset="0"/>
-              </a:defRPr>
-            </a:lvl6pPr>
-            <a:lvl7pPr marL="914400" algn="l" defTabSz="457200" rtl="0" eaLnBrk="1" fontAlgn="base" hangingPunct="1">
-              <a:spcBef>
-                <a:spcPct val="0"/>
-              </a:spcBef>
-              <a:spcAft>
-                <a:spcPct val="0"/>
-              </a:spcAft>
-              <a:defRPr sz="4400">
-                <a:solidFill>
-                  <a:srgbClr val="58595B"/>
-                </a:solidFill>
-                <a:latin typeface="Rockwell" panose="02060603020205020403" pitchFamily="18" charset="0"/>
-              </a:defRPr>
-            </a:lvl7pPr>
-            <a:lvl8pPr marL="1371600" algn="l" defTabSz="457200" rtl="0" eaLnBrk="1" fontAlgn="base" hangingPunct="1">
-              <a:spcBef>
-                <a:spcPct val="0"/>
-              </a:spcBef>
-              <a:spcAft>
-                <a:spcPct val="0"/>
-              </a:spcAft>
-              <a:defRPr sz="4400">
-                <a:solidFill>
-                  <a:srgbClr val="58595B"/>
-                </a:solidFill>
-                <a:latin typeface="Rockwell" panose="02060603020205020403" pitchFamily="18" charset="0"/>
-              </a:defRPr>
-            </a:lvl8pPr>
-            <a:lvl9pPr marL="1828800" algn="l" defTabSz="457200" rtl="0" eaLnBrk="1" fontAlgn="base" hangingPunct="1">
-              <a:spcBef>
-                <a:spcPct val="0"/>
-              </a:spcBef>
-              <a:spcAft>
-                <a:spcPct val="0"/>
-              </a:spcAft>
-              <a:defRPr sz="4400">
-                <a:solidFill>
-                  <a:srgbClr val="58595B"/>
-                </a:solidFill>
-                <a:latin typeface="Rockwell" panose="02060603020205020403" pitchFamily="18" charset="0"/>
-              </a:defRPr>
-            </a:lvl9pPr>
-          </a:lstStyle>
-          <a:p>
-            <a:pPr marL="0" marR="0" lvl="0" indent="0" algn="l" defTabSz="457200" rtl="0" eaLnBrk="1" fontAlgn="base" latinLnBrk="0" hangingPunct="1">
-              <a:lnSpc>
-                <a:spcPct val="100000"/>
-              </a:lnSpc>
-              <a:spcBef>
-                <a:spcPct val="0"/>
-              </a:spcBef>
-              <a:spcAft>
-                <a:spcPct val="0"/>
-              </a:spcAft>
-              <a:buClrTx/>
-              <a:buSzTx/>
-              <a:buFontTx/>
-              <a:buNone/>
-              <a:tabLst/>
-              <a:defRPr/>
-            </a:pPr>
-            <a:endParaRPr kumimoji="0" lang="en-GB" sz="3200" b="0" i="0" u="none" strike="noStrike" kern="1200" cap="none" spc="0" normalizeH="0" baseline="0" noProof="0" dirty="0">
-              <a:ln>
-                <a:noFill/>
-              </a:ln>
+          <a:lstStyle/>
+          <a:p>
+            <a:r>
+              <a:rPr lang="en-GB" sz="2400" b="1" dirty="0">
+                <a:solidFill>
+                  <a:schemeClr val="bg1"/>
+                </a:solidFill>
+              </a:rPr>
+              <a:t>1/7</a:t>
+            </a:r>
+          </a:p>
+        </p:txBody>
+      </p:sp>
+    </p:spTree>
+    <p:extLst>
+      <p:ext uri="{BB962C8B-B14F-4D97-AF65-F5344CB8AC3E}">
+        <p14:creationId xmlns:p14="http://schemas.microsoft.com/office/powerpoint/2010/main" val="3477359480"/>
+      </p:ext>
+    </p:extLst>
+  </p:cSld>
+  <p:clrMapOvr>
+    <a:masterClrMapping/>
+  </p:clrMapOvr>
+</p:sld>
+</file>
+
+<file path=ppt/slides/slide55.xml><?xml version="1.0" encoding="utf-8"?>
+<p:sld xmlns:a="http://schemas.openxmlformats.org/drawingml/2006/main" xmlns:r="http://schemas.openxmlformats.org/officeDocument/2006/relationships" xmlns:p="http://schemas.openxmlformats.org/presentationml/2006/main">
+  <p:cSld>
+    <p:spTree>
+      <p:nvGrpSpPr>
+        <p:cNvPr id="1" name=""/>
+        <p:cNvGrpSpPr/>
+        <p:nvPr/>
+      </p:nvGrpSpPr>
+      <p:grpSpPr>
+        <a:xfrm>
+          <a:off x="0" y="0"/>
+          <a:ext cx="0" cy="0"/>
+          <a:chOff x="0" y="0"/>
+          <a:chExt cx="0" cy="0"/>
+        </a:xfrm>
+      </p:grpSpPr>
+      <p:sp>
+        <p:nvSpPr>
+          <p:cNvPr id="3" name="Subtitle 2"/>
+          <p:cNvSpPr>
+            <a:spLocks noGrp="1"/>
+          </p:cNvSpPr>
+          <p:nvPr>
+            <p:ph type="subTitle" idx="1"/>
+          </p:nvPr>
+        </p:nvSpPr>
+        <p:spPr>
+          <a:xfrm>
+            <a:off x="323528" y="692696"/>
+            <a:ext cx="8640960" cy="6480720"/>
+          </a:xfrm>
+        </p:spPr>
+        <p:txBody>
+          <a:bodyPr>
+            <a:noAutofit/>
+          </a:bodyPr>
+          <a:lstStyle/>
+          <a:p>
+            <a:r>
+              <a:rPr lang="en-GB" sz="4000" dirty="0">
+                <a:solidFill>
+                  <a:schemeClr val="bg1"/>
+                </a:solidFill>
+              </a:rPr>
+              <a:t>He won’t</a:t>
+            </a:r>
+          </a:p>
+          <a:p>
+            <a:r>
+              <a:rPr lang="en-GB" sz="4000" dirty="0">
+                <a:solidFill>
+                  <a:schemeClr val="bg1"/>
+                </a:solidFill>
+              </a:rPr>
+              <a:t>He won't</a:t>
+            </a:r>
+          </a:p>
+          <a:p>
+            <a:endParaRPr lang="en-GB" sz="4000" dirty="0">
               <a:solidFill>
                 <a:schemeClr val="bg1"/>
               </a:solidFill>
-              <a:effectLst/>
-              <a:uLnTx/>
-              <a:uFillTx/>
-              <a:latin typeface="Rockwell"/>
-              <a:ea typeface="+mj-ea"/>
-              <a:cs typeface="+mj-cs"/>
             </a:endParaRPr>
           </a:p>
         </p:txBody>
       </p:sp>
       <p:sp>
         <p:nvSpPr>
-          <p:cNvPr id="4" name="Title 1">
-            <a:extLst>
-              <a:ext uri="{FF2B5EF4-FFF2-40B4-BE49-F238E27FC236}">
-                <a16:creationId xmlns:a16="http://schemas.microsoft.com/office/drawing/2014/main" id="{89C6AC8B-4AF1-9B45-6683-F14ED4AE0E1F}"/>
-              </a:ext>
-            </a:extLst>
-          </p:cNvPr>
-          <p:cNvSpPr txBox="1">
-            <a:spLocks/>
-          </p:cNvSpPr>
+          <p:cNvPr id="4" name="TextBox 3"/>
+          <p:cNvSpPr txBox="1"/>
           <p:nvPr/>
         </p:nvSpPr>
-        <p:spPr bwMode="auto">
-          <a:xfrm>
-            <a:off x="323528" y="116632"/>
-            <a:ext cx="8229600" cy="4680520"/>
+        <p:spPr>
+          <a:xfrm>
+            <a:off x="8529729" y="0"/>
+            <a:ext cx="628698" cy="461665"/>
           </a:xfrm>
           <a:prstGeom prst="rect">
             <a:avLst/>
           </a:prstGeom>
           <a:noFill/>
-          <a:ln>
-            <a:noFill/>
-          </a:ln>
-          <a:extLst>
-            <a:ext uri="{909E8E84-426E-40DD-AFC4-6F175D3DCCD1}">
-              <a14:hiddenFill xmlns:a14="http://schemas.microsoft.com/office/drawing/2010/main">
-                <a:solidFill>
-                  <a:srgbClr val="FFFFFF"/>
-                </a:solidFill>
-              </a14:hiddenFill>
-            </a:ext>
-            <a:ext uri="{91240B29-F687-4F45-9708-019B960494DF}">
-              <a14:hiddenLine xmlns:a14="http://schemas.microsoft.com/office/drawing/2010/main" w="9525">
-                <a:solidFill>
-                  <a:srgbClr val="000000"/>
-                </a:solidFill>
-                <a:miter lim="800000"/>
-                <a:headEnd/>
-                <a:tailEnd/>
-              </a14:hiddenLine>
-            </a:ext>
-          </a:extLst>
-        </p:spPr>
-        <p:txBody>
-          <a:bodyPr vert="horz" wrap="square" lIns="91440" tIns="45720" rIns="91440" bIns="45720" numCol="1" anchor="ctr" anchorCtr="0" compatLnSpc="1">
-            <a:prstTxWarp prst="textNoShape">
-              <a:avLst/>
-            </a:prstTxWarp>
-            <a:normAutofit/>
+        </p:spPr>
+        <p:txBody>
+          <a:bodyPr wrap="none" rtlCol="0">
+            <a:spAutoFit/>
           </a:bodyPr>
-          <a:lstStyle>
-            <a:lvl1pPr algn="l" defTabSz="457200" rtl="0" eaLnBrk="1" fontAlgn="base" hangingPunct="1">
-              <a:spcBef>
-                <a:spcPct val="0"/>
-              </a:spcBef>
-              <a:spcAft>
-                <a:spcPct val="0"/>
-              </a:spcAft>
-              <a:defRPr sz="3200" kern="1200">
-                <a:solidFill>
-                  <a:srgbClr val="58595B"/>
-                </a:solidFill>
-                <a:latin typeface="Rockwell"/>
-                <a:ea typeface="+mj-ea"/>
-                <a:cs typeface="+mj-cs"/>
-              </a:defRPr>
-            </a:lvl1pPr>
-            <a:lvl2pPr algn="l" defTabSz="457200" rtl="0" eaLnBrk="1" fontAlgn="base" hangingPunct="1">
-              <a:spcBef>
-                <a:spcPct val="0"/>
-              </a:spcBef>
-              <a:spcAft>
-                <a:spcPct val="0"/>
-              </a:spcAft>
-              <a:defRPr sz="4400">
-                <a:solidFill>
-                  <a:srgbClr val="58595B"/>
-                </a:solidFill>
-                <a:latin typeface="Rockwell" panose="02060603020205020403" pitchFamily="18" charset="0"/>
-              </a:defRPr>
-            </a:lvl2pPr>
-            <a:lvl3pPr algn="l" defTabSz="457200" rtl="0" eaLnBrk="1" fontAlgn="base" hangingPunct="1">
-              <a:spcBef>
-                <a:spcPct val="0"/>
-              </a:spcBef>
-              <a:spcAft>
-                <a:spcPct val="0"/>
-              </a:spcAft>
-              <a:defRPr sz="4400">
-                <a:solidFill>
-                  <a:srgbClr val="58595B"/>
-                </a:solidFill>
-                <a:latin typeface="Rockwell" panose="02060603020205020403" pitchFamily="18" charset="0"/>
-              </a:defRPr>
-            </a:lvl3pPr>
-            <a:lvl4pPr algn="l" defTabSz="457200" rtl="0" eaLnBrk="1" fontAlgn="base" hangingPunct="1">
-              <a:spcBef>
-                <a:spcPct val="0"/>
-              </a:spcBef>
-              <a:spcAft>
-                <a:spcPct val="0"/>
-              </a:spcAft>
-              <a:defRPr sz="4400">
-                <a:solidFill>
-                  <a:srgbClr val="58595B"/>
-                </a:solidFill>
-                <a:latin typeface="Rockwell" panose="02060603020205020403" pitchFamily="18" charset="0"/>
-              </a:defRPr>
-            </a:lvl4pPr>
-            <a:lvl5pPr algn="l" defTabSz="457200" rtl="0" eaLnBrk="1" fontAlgn="base" hangingPunct="1">
-              <a:spcBef>
-                <a:spcPct val="0"/>
-              </a:spcBef>
-              <a:spcAft>
-                <a:spcPct val="0"/>
-              </a:spcAft>
-              <a:defRPr sz="4400">
-                <a:solidFill>
-                  <a:srgbClr val="58595B"/>
-                </a:solidFill>
-                <a:latin typeface="Rockwell" panose="02060603020205020403" pitchFamily="18" charset="0"/>
-              </a:defRPr>
-            </a:lvl5pPr>
-            <a:lvl6pPr marL="457200" algn="l" defTabSz="457200" rtl="0" eaLnBrk="1" fontAlgn="base" hangingPunct="1">
-              <a:spcBef>
-                <a:spcPct val="0"/>
-              </a:spcBef>
-              <a:spcAft>
-                <a:spcPct val="0"/>
-              </a:spcAft>
-              <a:defRPr sz="4400">
-                <a:solidFill>
-                  <a:srgbClr val="58595B"/>
-                </a:solidFill>
-                <a:latin typeface="Rockwell" panose="02060603020205020403" pitchFamily="18" charset="0"/>
-              </a:defRPr>
-            </a:lvl6pPr>
-            <a:lvl7pPr marL="914400" algn="l" defTabSz="457200" rtl="0" eaLnBrk="1" fontAlgn="base" hangingPunct="1">
-              <a:spcBef>
-                <a:spcPct val="0"/>
-              </a:spcBef>
-              <a:spcAft>
-                <a:spcPct val="0"/>
-              </a:spcAft>
-              <a:defRPr sz="4400">
-                <a:solidFill>
-                  <a:srgbClr val="58595B"/>
-                </a:solidFill>
-                <a:latin typeface="Rockwell" panose="02060603020205020403" pitchFamily="18" charset="0"/>
-              </a:defRPr>
-            </a:lvl7pPr>
-            <a:lvl8pPr marL="1371600" algn="l" defTabSz="457200" rtl="0" eaLnBrk="1" fontAlgn="base" hangingPunct="1">
-              <a:spcBef>
-                <a:spcPct val="0"/>
-              </a:spcBef>
-              <a:spcAft>
-                <a:spcPct val="0"/>
-              </a:spcAft>
-              <a:defRPr sz="4400">
-                <a:solidFill>
-                  <a:srgbClr val="58595B"/>
-                </a:solidFill>
-                <a:latin typeface="Rockwell" panose="02060603020205020403" pitchFamily="18" charset="0"/>
-              </a:defRPr>
-            </a:lvl8pPr>
-            <a:lvl9pPr marL="1828800" algn="l" defTabSz="457200" rtl="0" eaLnBrk="1" fontAlgn="base" hangingPunct="1">
-              <a:spcBef>
-                <a:spcPct val="0"/>
-              </a:spcBef>
-              <a:spcAft>
-                <a:spcPct val="0"/>
-              </a:spcAft>
-              <a:defRPr sz="4400">
-                <a:solidFill>
-                  <a:srgbClr val="58595B"/>
-                </a:solidFill>
-                <a:latin typeface="Rockwell" panose="02060603020205020403" pitchFamily="18" charset="0"/>
-              </a:defRPr>
-            </a:lvl9pPr>
-          </a:lstStyle>
-          <a:p>
-            <a:pPr lvl="0" algn="ctr">
-              <a:defRPr/>
-            </a:pPr>
-            <a:r>
-              <a:rPr lang="en-GB" dirty="0">
-                <a:solidFill>
-                  <a:schemeClr val="bg1"/>
-                </a:solidFill>
-              </a:rPr>
-              <a:t>2 Corinthians 14</a:t>
-            </a:r>
-            <a:br>
-              <a:rPr lang="en-GB" dirty="0">
-                <a:solidFill>
-                  <a:schemeClr val="bg1"/>
-                </a:solidFill>
-              </a:rPr>
-            </a:br>
-            <a:br>
-              <a:rPr lang="en-GB" dirty="0">
-                <a:solidFill>
-                  <a:schemeClr val="bg1"/>
-                </a:solidFill>
-              </a:rPr>
-            </a:br>
-            <a:r>
-              <a:rPr lang="en-GB" dirty="0">
-                <a:solidFill>
-                  <a:schemeClr val="bg1"/>
-                </a:solidFill>
-              </a:rPr>
-              <a:t>May the grace of the Lord Jesus Christ, and the love of God, and the fellowship of the Holy Spirit be with you all</a:t>
+          <a:lstStyle/>
+          <a:p>
+            <a:r>
+              <a:rPr lang="en-GB" sz="2400" b="1" dirty="0">
+                <a:solidFill>
+                  <a:schemeClr val="bg1"/>
+                </a:solidFill>
+              </a:rPr>
+              <a:t>2/7</a:t>
             </a:r>
           </a:p>
         </p:txBody>
@@ -11857,7 +11855,580 @@
     </p:spTree>
     <p:extLst>
       <p:ext uri="{BB962C8B-B14F-4D97-AF65-F5344CB8AC3E}">
-        <p14:creationId xmlns:p14="http://schemas.microsoft.com/office/powerpoint/2010/main" val="3974712765"/>
+        <p14:creationId xmlns:p14="http://schemas.microsoft.com/office/powerpoint/2010/main" val="2793727316"/>
+      </p:ext>
+    </p:extLst>
+  </p:cSld>
+  <p:clrMapOvr>
+    <a:masterClrMapping/>
+  </p:clrMapOvr>
+</p:sld>
+</file>
+
+<file path=ppt/slides/slide56.xml><?xml version="1.0" encoding="utf-8"?>
+<p:sld xmlns:a="http://schemas.openxmlformats.org/drawingml/2006/main" xmlns:r="http://schemas.openxmlformats.org/officeDocument/2006/relationships" xmlns:p="http://schemas.openxmlformats.org/presentationml/2006/main">
+  <p:cSld>
+    <p:spTree>
+      <p:nvGrpSpPr>
+        <p:cNvPr id="1" name=""/>
+        <p:cNvGrpSpPr/>
+        <p:nvPr/>
+      </p:nvGrpSpPr>
+      <p:grpSpPr>
+        <a:xfrm>
+          <a:off x="0" y="0"/>
+          <a:ext cx="0" cy="0"/>
+          <a:chOff x="0" y="0"/>
+          <a:chExt cx="0" cy="0"/>
+        </a:xfrm>
+      </p:grpSpPr>
+      <p:sp>
+        <p:nvSpPr>
+          <p:cNvPr id="3" name="Subtitle 2"/>
+          <p:cNvSpPr>
+            <a:spLocks noGrp="1"/>
+          </p:cNvSpPr>
+          <p:nvPr>
+            <p:ph type="subTitle" idx="1"/>
+          </p:nvPr>
+        </p:nvSpPr>
+        <p:spPr>
+          <a:xfrm>
+            <a:off x="251520" y="692696"/>
+            <a:ext cx="8640960" cy="6480720"/>
+          </a:xfrm>
+        </p:spPr>
+        <p:txBody>
+          <a:bodyPr>
+            <a:noAutofit/>
+          </a:bodyPr>
+          <a:lstStyle/>
+          <a:p>
+            <a:r>
+              <a:rPr lang="en-GB" sz="3600" dirty="0">
+                <a:solidFill>
+                  <a:schemeClr val="bg1"/>
+                </a:solidFill>
+              </a:rPr>
+              <a:t>I've still got joy in chaos</a:t>
+            </a:r>
+          </a:p>
+          <a:p>
+            <a:r>
+              <a:rPr lang="en-GB" sz="3600" dirty="0">
+                <a:solidFill>
+                  <a:schemeClr val="bg1"/>
+                </a:solidFill>
+              </a:rPr>
+              <a:t>I've got peace that makes no sense</a:t>
+            </a:r>
+          </a:p>
+          <a:p>
+            <a:r>
+              <a:rPr lang="en-GB" sz="3600" dirty="0">
+                <a:solidFill>
+                  <a:schemeClr val="bg1"/>
+                </a:solidFill>
+              </a:rPr>
+              <a:t>So I won't be going under</a:t>
+            </a:r>
+          </a:p>
+          <a:p>
+            <a:r>
+              <a:rPr lang="en-GB" sz="3600" dirty="0">
+                <a:solidFill>
+                  <a:schemeClr val="bg1"/>
+                </a:solidFill>
+              </a:rPr>
+              <a:t>I'm not held by my own strength</a:t>
+            </a:r>
+          </a:p>
+          <a:p>
+            <a:r>
+              <a:rPr lang="en-GB" sz="3600" dirty="0" err="1">
+                <a:solidFill>
+                  <a:schemeClr val="bg1"/>
+                </a:solidFill>
+              </a:rPr>
+              <a:t>'Cause</a:t>
+            </a:r>
+            <a:r>
+              <a:rPr lang="en-GB" sz="3600" dirty="0">
+                <a:solidFill>
+                  <a:schemeClr val="bg1"/>
+                </a:solidFill>
+              </a:rPr>
+              <a:t> I've built my life on Jesus</a:t>
+            </a:r>
+          </a:p>
+          <a:p>
+            <a:r>
+              <a:rPr lang="en-GB" sz="3600" dirty="0">
+                <a:solidFill>
+                  <a:schemeClr val="bg1"/>
+                </a:solidFill>
+              </a:rPr>
+              <a:t>He's never let me down</a:t>
+            </a:r>
+          </a:p>
+          <a:p>
+            <a:r>
+              <a:rPr lang="en-GB" sz="3600" dirty="0">
+                <a:solidFill>
+                  <a:schemeClr val="bg1"/>
+                </a:solidFill>
+              </a:rPr>
+              <a:t>He's faithful in every season</a:t>
+            </a:r>
+          </a:p>
+          <a:p>
+            <a:r>
+              <a:rPr lang="en-GB" sz="3600" dirty="0">
+                <a:solidFill>
+                  <a:schemeClr val="bg1"/>
+                </a:solidFill>
+              </a:rPr>
+              <a:t>So why would He fail now</a:t>
+            </a:r>
+          </a:p>
+        </p:txBody>
+      </p:sp>
+      <p:sp>
+        <p:nvSpPr>
+          <p:cNvPr id="4" name="TextBox 3"/>
+          <p:cNvSpPr txBox="1"/>
+          <p:nvPr/>
+        </p:nvSpPr>
+        <p:spPr>
+          <a:xfrm>
+            <a:off x="8529729" y="0"/>
+            <a:ext cx="628698" cy="461665"/>
+          </a:xfrm>
+          <a:prstGeom prst="rect">
+            <a:avLst/>
+          </a:prstGeom>
+          <a:noFill/>
+        </p:spPr>
+        <p:txBody>
+          <a:bodyPr wrap="none" rtlCol="0">
+            <a:spAutoFit/>
+          </a:bodyPr>
+          <a:lstStyle/>
+          <a:p>
+            <a:r>
+              <a:rPr lang="en-GB" sz="2400" b="1" dirty="0">
+                <a:solidFill>
+                  <a:schemeClr val="bg1"/>
+                </a:solidFill>
+              </a:rPr>
+              <a:t>3/7</a:t>
+            </a:r>
+          </a:p>
+        </p:txBody>
+      </p:sp>
+    </p:spTree>
+    <p:extLst>
+      <p:ext uri="{BB962C8B-B14F-4D97-AF65-F5344CB8AC3E}">
+        <p14:creationId xmlns:p14="http://schemas.microsoft.com/office/powerpoint/2010/main" val="1975335226"/>
+      </p:ext>
+    </p:extLst>
+  </p:cSld>
+  <p:clrMapOvr>
+    <a:masterClrMapping/>
+  </p:clrMapOvr>
+</p:sld>
+</file>
+
+<file path=ppt/slides/slide57.xml><?xml version="1.0" encoding="utf-8"?>
+<p:sld xmlns:a="http://schemas.openxmlformats.org/drawingml/2006/main" xmlns:r="http://schemas.openxmlformats.org/officeDocument/2006/relationships" xmlns:p="http://schemas.openxmlformats.org/presentationml/2006/main">
+  <p:cSld>
+    <p:spTree>
+      <p:nvGrpSpPr>
+        <p:cNvPr id="1" name=""/>
+        <p:cNvGrpSpPr/>
+        <p:nvPr/>
+      </p:nvGrpSpPr>
+      <p:grpSpPr>
+        <a:xfrm>
+          <a:off x="0" y="0"/>
+          <a:ext cx="0" cy="0"/>
+          <a:chOff x="0" y="0"/>
+          <a:chExt cx="0" cy="0"/>
+        </a:xfrm>
+      </p:grpSpPr>
+      <p:sp>
+        <p:nvSpPr>
+          <p:cNvPr id="3" name="Subtitle 2"/>
+          <p:cNvSpPr>
+            <a:spLocks noGrp="1"/>
+          </p:cNvSpPr>
+          <p:nvPr>
+            <p:ph type="subTitle" idx="1"/>
+          </p:nvPr>
+        </p:nvSpPr>
+        <p:spPr>
+          <a:xfrm>
+            <a:off x="251520" y="764704"/>
+            <a:ext cx="8640960" cy="6480720"/>
+          </a:xfrm>
+        </p:spPr>
+        <p:txBody>
+          <a:bodyPr>
+            <a:noAutofit/>
+          </a:bodyPr>
+          <a:lstStyle/>
+          <a:p>
+            <a:r>
+              <a:rPr lang="en-GB" sz="4000" dirty="0">
+                <a:solidFill>
+                  <a:schemeClr val="bg1"/>
+                </a:solidFill>
+              </a:rPr>
+              <a:t>He won’t</a:t>
+            </a:r>
+            <a:br>
+              <a:rPr lang="en-GB" sz="4000" dirty="0">
+                <a:solidFill>
+                  <a:schemeClr val="bg1"/>
+                </a:solidFill>
+              </a:rPr>
+            </a:br>
+            <a:r>
+              <a:rPr lang="en-GB" sz="4000" dirty="0">
+                <a:solidFill>
+                  <a:schemeClr val="bg1"/>
+                </a:solidFill>
+              </a:rPr>
+              <a:t>He won't</a:t>
+            </a:r>
+          </a:p>
+          <a:p>
+            <a:r>
+              <a:rPr lang="en-GB" sz="4000" dirty="0">
+                <a:solidFill>
+                  <a:schemeClr val="bg1"/>
+                </a:solidFill>
+              </a:rPr>
+              <a:t>He won't fail</a:t>
+            </a:r>
+          </a:p>
+          <a:p>
+            <a:r>
+              <a:rPr lang="en-GB" sz="4000" dirty="0">
+                <a:solidFill>
+                  <a:schemeClr val="bg1"/>
+                </a:solidFill>
+              </a:rPr>
+              <a:t>He won't fail</a:t>
+            </a:r>
+          </a:p>
+        </p:txBody>
+      </p:sp>
+      <p:sp>
+        <p:nvSpPr>
+          <p:cNvPr id="4" name="TextBox 3"/>
+          <p:cNvSpPr txBox="1"/>
+          <p:nvPr/>
+        </p:nvSpPr>
+        <p:spPr>
+          <a:xfrm>
+            <a:off x="8529729" y="0"/>
+            <a:ext cx="628698" cy="461665"/>
+          </a:xfrm>
+          <a:prstGeom prst="rect">
+            <a:avLst/>
+          </a:prstGeom>
+          <a:noFill/>
+        </p:spPr>
+        <p:txBody>
+          <a:bodyPr wrap="none" rtlCol="0">
+            <a:spAutoFit/>
+          </a:bodyPr>
+          <a:lstStyle/>
+          <a:p>
+            <a:r>
+              <a:rPr lang="en-GB" sz="2400" b="1" dirty="0">
+                <a:solidFill>
+                  <a:schemeClr val="bg1"/>
+                </a:solidFill>
+              </a:rPr>
+              <a:t>4/7</a:t>
+            </a:r>
+          </a:p>
+        </p:txBody>
+      </p:sp>
+    </p:spTree>
+    <p:extLst>
+      <p:ext uri="{BB962C8B-B14F-4D97-AF65-F5344CB8AC3E}">
+        <p14:creationId xmlns:p14="http://schemas.microsoft.com/office/powerpoint/2010/main" val="2414663546"/>
+      </p:ext>
+    </p:extLst>
+  </p:cSld>
+  <p:clrMapOvr>
+    <a:masterClrMapping/>
+  </p:clrMapOvr>
+</p:sld>
+</file>
+
+<file path=ppt/slides/slide58.xml><?xml version="1.0" encoding="utf-8"?>
+<p:sld xmlns:a="http://schemas.openxmlformats.org/drawingml/2006/main" xmlns:r="http://schemas.openxmlformats.org/officeDocument/2006/relationships" xmlns:p="http://schemas.openxmlformats.org/presentationml/2006/main">
+  <p:cSld>
+    <p:spTree>
+      <p:nvGrpSpPr>
+        <p:cNvPr id="1" name=""/>
+        <p:cNvGrpSpPr/>
+        <p:nvPr/>
+      </p:nvGrpSpPr>
+      <p:grpSpPr>
+        <a:xfrm>
+          <a:off x="0" y="0"/>
+          <a:ext cx="0" cy="0"/>
+          <a:chOff x="0" y="0"/>
+          <a:chExt cx="0" cy="0"/>
+        </a:xfrm>
+      </p:grpSpPr>
+      <p:sp>
+        <p:nvSpPr>
+          <p:cNvPr id="3" name="Subtitle 2"/>
+          <p:cNvSpPr>
+            <a:spLocks noGrp="1"/>
+          </p:cNvSpPr>
+          <p:nvPr>
+            <p:ph type="subTitle" idx="1"/>
+          </p:nvPr>
+        </p:nvSpPr>
+        <p:spPr>
+          <a:xfrm>
+            <a:off x="323528" y="764704"/>
+            <a:ext cx="8640960" cy="6480720"/>
+          </a:xfrm>
+        </p:spPr>
+        <p:txBody>
+          <a:bodyPr>
+            <a:noAutofit/>
+          </a:bodyPr>
+          <a:lstStyle/>
+          <a:p>
+            <a:r>
+              <a:rPr lang="en-GB" sz="4000" dirty="0">
+                <a:solidFill>
+                  <a:schemeClr val="bg1"/>
+                </a:solidFill>
+              </a:rPr>
+              <a:t>Rain came and wind blew</a:t>
+            </a:r>
+          </a:p>
+          <a:p>
+            <a:r>
+              <a:rPr lang="en-GB" sz="4000" dirty="0">
+                <a:solidFill>
+                  <a:schemeClr val="bg1"/>
+                </a:solidFill>
+              </a:rPr>
+              <a:t>My house was built on You</a:t>
+            </a:r>
+          </a:p>
+          <a:p>
+            <a:r>
+              <a:rPr lang="en-GB" sz="4000" dirty="0">
+                <a:solidFill>
+                  <a:schemeClr val="bg1"/>
+                </a:solidFill>
+              </a:rPr>
+              <a:t>I'm safe with You</a:t>
+            </a:r>
+          </a:p>
+          <a:p>
+            <a:r>
+              <a:rPr lang="en-GB" sz="4000" dirty="0">
+                <a:solidFill>
+                  <a:schemeClr val="bg1"/>
+                </a:solidFill>
+              </a:rPr>
+              <a:t>I'm going to make it through</a:t>
+            </a:r>
+          </a:p>
+        </p:txBody>
+      </p:sp>
+      <p:sp>
+        <p:nvSpPr>
+          <p:cNvPr id="4" name="TextBox 3"/>
+          <p:cNvSpPr txBox="1"/>
+          <p:nvPr/>
+        </p:nvSpPr>
+        <p:spPr>
+          <a:xfrm>
+            <a:off x="8529729" y="0"/>
+            <a:ext cx="628698" cy="461665"/>
+          </a:xfrm>
+          <a:prstGeom prst="rect">
+            <a:avLst/>
+          </a:prstGeom>
+          <a:noFill/>
+        </p:spPr>
+        <p:txBody>
+          <a:bodyPr wrap="none" rtlCol="0">
+            <a:spAutoFit/>
+          </a:bodyPr>
+          <a:lstStyle/>
+          <a:p>
+            <a:r>
+              <a:rPr lang="en-GB" sz="2400" b="1" dirty="0">
+                <a:solidFill>
+                  <a:schemeClr val="bg1"/>
+                </a:solidFill>
+              </a:rPr>
+              <a:t>5/7</a:t>
+            </a:r>
+          </a:p>
+        </p:txBody>
+      </p:sp>
+    </p:spTree>
+    <p:extLst>
+      <p:ext uri="{BB962C8B-B14F-4D97-AF65-F5344CB8AC3E}">
+        <p14:creationId xmlns:p14="http://schemas.microsoft.com/office/powerpoint/2010/main" val="3141125249"/>
+      </p:ext>
+    </p:extLst>
+  </p:cSld>
+  <p:clrMapOvr>
+    <a:masterClrMapping/>
+  </p:clrMapOvr>
+</p:sld>
+</file>
+
+<file path=ppt/slides/slide59.xml><?xml version="1.0" encoding="utf-8"?>
+<p:sld xmlns:a="http://schemas.openxmlformats.org/drawingml/2006/main" xmlns:r="http://schemas.openxmlformats.org/officeDocument/2006/relationships" xmlns:p="http://schemas.openxmlformats.org/presentationml/2006/main">
+  <p:cSld>
+    <p:spTree>
+      <p:nvGrpSpPr>
+        <p:cNvPr id="1" name=""/>
+        <p:cNvGrpSpPr/>
+        <p:nvPr/>
+      </p:nvGrpSpPr>
+      <p:grpSpPr>
+        <a:xfrm>
+          <a:off x="0" y="0"/>
+          <a:ext cx="0" cy="0"/>
+          <a:chOff x="0" y="0"/>
+          <a:chExt cx="0" cy="0"/>
+        </a:xfrm>
+      </p:grpSpPr>
+      <p:sp>
+        <p:nvSpPr>
+          <p:cNvPr id="3" name="Subtitle 2"/>
+          <p:cNvSpPr>
+            <a:spLocks noGrp="1"/>
+          </p:cNvSpPr>
+          <p:nvPr>
+            <p:ph type="subTitle" idx="1"/>
+          </p:nvPr>
+        </p:nvSpPr>
+        <p:spPr>
+          <a:xfrm>
+            <a:off x="251520" y="764704"/>
+            <a:ext cx="8640960" cy="6480720"/>
+          </a:xfrm>
+        </p:spPr>
+        <p:txBody>
+          <a:bodyPr>
+            <a:noAutofit/>
+          </a:bodyPr>
+          <a:lstStyle/>
+          <a:p>
+            <a:r>
+              <a:rPr lang="en-GB" sz="4000" dirty="0">
+                <a:solidFill>
+                  <a:schemeClr val="bg1"/>
+                </a:solidFill>
+              </a:rPr>
+              <a:t>I'm going to make it through</a:t>
+            </a:r>
+          </a:p>
+          <a:p>
+            <a:r>
+              <a:rPr lang="en-GB" sz="4000" dirty="0" err="1">
+                <a:solidFill>
+                  <a:schemeClr val="bg1"/>
+                </a:solidFill>
+              </a:rPr>
+              <a:t>‘Cause</a:t>
+            </a:r>
+            <a:r>
+              <a:rPr lang="en-GB" sz="4000" dirty="0">
+                <a:solidFill>
+                  <a:schemeClr val="bg1"/>
+                </a:solidFill>
+              </a:rPr>
+              <a:t> I’m standing strong on You</a:t>
+            </a:r>
+          </a:p>
+          <a:p>
+            <a:r>
+              <a:rPr lang="en-GB" sz="4000" dirty="0">
+                <a:solidFill>
+                  <a:schemeClr val="bg1"/>
+                </a:solidFill>
+              </a:rPr>
+              <a:t>I’m going to make it through</a:t>
+            </a:r>
+          </a:p>
+          <a:p>
+            <a:r>
+              <a:rPr lang="en-GB" sz="4000" dirty="0" err="1">
+                <a:solidFill>
+                  <a:schemeClr val="bg1"/>
+                </a:solidFill>
+              </a:rPr>
+              <a:t>‘Cause</a:t>
+            </a:r>
+            <a:r>
+              <a:rPr lang="en-GB" sz="4000" dirty="0">
+                <a:solidFill>
+                  <a:schemeClr val="bg1"/>
+                </a:solidFill>
+              </a:rPr>
+              <a:t> my house is built on You</a:t>
+            </a:r>
+          </a:p>
+        </p:txBody>
+      </p:sp>
+      <p:sp>
+        <p:nvSpPr>
+          <p:cNvPr id="4" name="TextBox 3"/>
+          <p:cNvSpPr txBox="1"/>
+          <p:nvPr/>
+        </p:nvSpPr>
+        <p:spPr>
+          <a:xfrm>
+            <a:off x="8529729" y="0"/>
+            <a:ext cx="628698" cy="461665"/>
+          </a:xfrm>
+          <a:prstGeom prst="rect">
+            <a:avLst/>
+          </a:prstGeom>
+          <a:noFill/>
+        </p:spPr>
+        <p:txBody>
+          <a:bodyPr wrap="none" rtlCol="0">
+            <a:spAutoFit/>
+          </a:bodyPr>
+          <a:lstStyle/>
+          <a:p>
+            <a:r>
+              <a:rPr lang="en-GB" sz="2400" b="1" dirty="0">
+                <a:solidFill>
+                  <a:schemeClr val="bg1"/>
+                </a:solidFill>
+              </a:rPr>
+              <a:t>6/7</a:t>
+            </a:r>
+          </a:p>
+        </p:txBody>
+      </p:sp>
+    </p:spTree>
+    <p:extLst>
+      <p:ext uri="{BB962C8B-B14F-4D97-AF65-F5344CB8AC3E}">
+        <p14:creationId xmlns:p14="http://schemas.microsoft.com/office/powerpoint/2010/main" val="990000169"/>
       </p:ext>
     </p:extLst>
   </p:cSld>
@@ -12004,6 +12575,1262 @@
     <p:extLst>
       <p:ext uri="{BB962C8B-B14F-4D97-AF65-F5344CB8AC3E}">
         <p14:creationId xmlns:p14="http://schemas.microsoft.com/office/powerpoint/2010/main" val="4164038011"/>
+      </p:ext>
+    </p:extLst>
+  </p:cSld>
+  <p:clrMapOvr>
+    <a:masterClrMapping/>
+  </p:clrMapOvr>
+</p:sld>
+</file>
+
+<file path=ppt/slides/slide60.xml><?xml version="1.0" encoding="utf-8"?>
+<p:sld xmlns:a="http://schemas.openxmlformats.org/drawingml/2006/main" xmlns:r="http://schemas.openxmlformats.org/officeDocument/2006/relationships" xmlns:p="http://schemas.openxmlformats.org/presentationml/2006/main">
+  <p:cSld>
+    <p:spTree>
+      <p:nvGrpSpPr>
+        <p:cNvPr id="1" name=""/>
+        <p:cNvGrpSpPr/>
+        <p:nvPr/>
+      </p:nvGrpSpPr>
+      <p:grpSpPr>
+        <a:xfrm>
+          <a:off x="0" y="0"/>
+          <a:ext cx="0" cy="0"/>
+          <a:chOff x="0" y="0"/>
+          <a:chExt cx="0" cy="0"/>
+        </a:xfrm>
+      </p:grpSpPr>
+      <p:sp>
+        <p:nvSpPr>
+          <p:cNvPr id="3" name="Subtitle 2"/>
+          <p:cNvSpPr>
+            <a:spLocks noGrp="1"/>
+          </p:cNvSpPr>
+          <p:nvPr>
+            <p:ph type="subTitle" idx="1"/>
+          </p:nvPr>
+        </p:nvSpPr>
+        <p:spPr>
+          <a:xfrm>
+            <a:off x="251520" y="692696"/>
+            <a:ext cx="8640960" cy="6480720"/>
+          </a:xfrm>
+        </p:spPr>
+        <p:txBody>
+          <a:bodyPr>
+            <a:noAutofit/>
+          </a:bodyPr>
+          <a:lstStyle/>
+          <a:p>
+            <a:r>
+              <a:rPr lang="en-GB" sz="3600" dirty="0">
+                <a:solidFill>
+                  <a:schemeClr val="bg1"/>
+                </a:solidFill>
+              </a:rPr>
+              <a:t>Christ is my firm foundation</a:t>
+            </a:r>
+          </a:p>
+          <a:p>
+            <a:r>
+              <a:rPr lang="en-GB" sz="3600" dirty="0">
+                <a:solidFill>
+                  <a:schemeClr val="bg1"/>
+                </a:solidFill>
+              </a:rPr>
+              <a:t>The rock on which I stand</a:t>
+            </a:r>
+          </a:p>
+          <a:p>
+            <a:r>
+              <a:rPr lang="en-GB" sz="3600" dirty="0">
+                <a:solidFill>
+                  <a:schemeClr val="bg1"/>
+                </a:solidFill>
+              </a:rPr>
+              <a:t>When everything around me is shaken</a:t>
+            </a:r>
+          </a:p>
+          <a:p>
+            <a:r>
+              <a:rPr lang="en-GB" sz="3600" dirty="0">
+                <a:solidFill>
+                  <a:schemeClr val="bg1"/>
+                </a:solidFill>
+              </a:rPr>
+              <a:t>I've never been more glad</a:t>
+            </a:r>
+          </a:p>
+          <a:p>
+            <a:r>
+              <a:rPr lang="en-GB" sz="3600" dirty="0">
+                <a:solidFill>
+                  <a:schemeClr val="bg1"/>
+                </a:solidFill>
+              </a:rPr>
+              <a:t>That I put my faith in Jesus</a:t>
+            </a:r>
+          </a:p>
+          <a:p>
+            <a:r>
+              <a:rPr lang="en-GB" sz="3600" dirty="0" err="1">
+                <a:solidFill>
+                  <a:schemeClr val="bg1"/>
+                </a:solidFill>
+              </a:rPr>
+              <a:t>'Cause</a:t>
+            </a:r>
+            <a:r>
+              <a:rPr lang="en-GB" sz="3600" dirty="0">
+                <a:solidFill>
+                  <a:schemeClr val="bg1"/>
+                </a:solidFill>
+              </a:rPr>
+              <a:t> He's never let me down</a:t>
+            </a:r>
+          </a:p>
+          <a:p>
+            <a:r>
+              <a:rPr lang="en-GB" sz="3600" dirty="0">
+                <a:solidFill>
+                  <a:schemeClr val="bg1"/>
+                </a:solidFill>
+              </a:rPr>
+              <a:t>He's faithful through generations</a:t>
+            </a:r>
+          </a:p>
+          <a:p>
+            <a:r>
+              <a:rPr lang="en-GB" sz="3600" dirty="0">
+                <a:solidFill>
+                  <a:schemeClr val="bg1"/>
+                </a:solidFill>
+              </a:rPr>
+              <a:t>So why would He fail now</a:t>
+            </a:r>
+          </a:p>
+        </p:txBody>
+      </p:sp>
+      <p:sp>
+        <p:nvSpPr>
+          <p:cNvPr id="4" name="TextBox 3"/>
+          <p:cNvSpPr txBox="1"/>
+          <p:nvPr/>
+        </p:nvSpPr>
+        <p:spPr>
+          <a:xfrm>
+            <a:off x="8529729" y="0"/>
+            <a:ext cx="628698" cy="461665"/>
+          </a:xfrm>
+          <a:prstGeom prst="rect">
+            <a:avLst/>
+          </a:prstGeom>
+          <a:noFill/>
+        </p:spPr>
+        <p:txBody>
+          <a:bodyPr wrap="none" rtlCol="0">
+            <a:spAutoFit/>
+          </a:bodyPr>
+          <a:lstStyle/>
+          <a:p>
+            <a:r>
+              <a:rPr lang="en-GB" sz="2400" b="1" dirty="0">
+                <a:solidFill>
+                  <a:schemeClr val="bg1"/>
+                </a:solidFill>
+              </a:rPr>
+              <a:t>7/7</a:t>
+            </a:r>
+          </a:p>
+        </p:txBody>
+      </p:sp>
+    </p:spTree>
+    <p:extLst>
+      <p:ext uri="{BB962C8B-B14F-4D97-AF65-F5344CB8AC3E}">
+        <p14:creationId xmlns:p14="http://schemas.microsoft.com/office/powerpoint/2010/main" val="4196310026"/>
+      </p:ext>
+    </p:extLst>
+  </p:cSld>
+  <p:clrMapOvr>
+    <a:masterClrMapping/>
+  </p:clrMapOvr>
+</p:sld>
+</file>
+
+<file path=ppt/slides/slide61.xml><?xml version="1.0" encoding="utf-8"?>
+<p:sld xmlns:a="http://schemas.openxmlformats.org/drawingml/2006/main" xmlns:r="http://schemas.openxmlformats.org/officeDocument/2006/relationships" xmlns:p="http://schemas.openxmlformats.org/presentationml/2006/main">
+  <p:cSld>
+    <p:spTree>
+      <p:nvGrpSpPr>
+        <p:cNvPr id="1" name=""/>
+        <p:cNvGrpSpPr/>
+        <p:nvPr/>
+      </p:nvGrpSpPr>
+      <p:grpSpPr>
+        <a:xfrm>
+          <a:off x="0" y="0"/>
+          <a:ext cx="0" cy="0"/>
+          <a:chOff x="0" y="0"/>
+          <a:chExt cx="0" cy="0"/>
+        </a:xfrm>
+      </p:grpSpPr>
+      <p:sp>
+        <p:nvSpPr>
+          <p:cNvPr id="3" name="Subtitle 2"/>
+          <p:cNvSpPr>
+            <a:spLocks noGrp="1"/>
+          </p:cNvSpPr>
+          <p:nvPr>
+            <p:ph type="subTitle" idx="1"/>
+          </p:nvPr>
+        </p:nvSpPr>
+        <p:spPr>
+          <a:xfrm>
+            <a:off x="323528" y="188640"/>
+            <a:ext cx="8640960" cy="6480720"/>
+          </a:xfrm>
+        </p:spPr>
+        <p:txBody>
+          <a:bodyPr>
+            <a:noAutofit/>
+          </a:bodyPr>
+          <a:lstStyle/>
+          <a:p>
+            <a:endParaRPr lang="en-GB" sz="5400" dirty="0">
+              <a:solidFill>
+                <a:schemeClr val="bg1"/>
+              </a:solidFill>
+            </a:endParaRPr>
+          </a:p>
+          <a:p>
+            <a:r>
+              <a:rPr lang="en-GB" sz="6600" b="0" i="0" dirty="0">
+                <a:solidFill>
+                  <a:srgbClr val="00A3E0"/>
+                </a:solidFill>
+                <a:effectLst/>
+                <a:latin typeface="akagi_probook"/>
+              </a:rPr>
+              <a:t>Once Again</a:t>
+            </a:r>
+          </a:p>
+          <a:p>
+            <a:br>
+              <a:rPr lang="en-GB" sz="1200" dirty="0">
+                <a:solidFill>
+                  <a:schemeClr val="bg1"/>
+                </a:solidFill>
+              </a:rPr>
+            </a:br>
+            <a:r>
+              <a:rPr lang="en-GB" sz="1200" dirty="0">
+                <a:solidFill>
+                  <a:schemeClr val="bg1"/>
+                </a:solidFill>
+              </a:rPr>
+              <a:t>CCLI Song # 1564362</a:t>
+            </a:r>
+          </a:p>
+          <a:p>
+            <a:r>
+              <a:rPr lang="en-GB" sz="1200" dirty="0">
+                <a:solidFill>
+                  <a:schemeClr val="bg1"/>
+                </a:solidFill>
+              </a:rPr>
+              <a:t>Matt Redman</a:t>
+            </a:r>
+          </a:p>
+          <a:p>
+            <a:r>
+              <a:rPr lang="en-GB" sz="1200" dirty="0">
+                <a:solidFill>
+                  <a:schemeClr val="bg1"/>
+                </a:solidFill>
+              </a:rPr>
+              <a:t>© 1995 Thankyou Music</a:t>
+            </a:r>
+          </a:p>
+          <a:p>
+            <a:r>
+              <a:rPr lang="en-GB" sz="1200" dirty="0">
+                <a:solidFill>
+                  <a:schemeClr val="bg1"/>
+                </a:solidFill>
+              </a:rPr>
+              <a:t>For use solely with the </a:t>
+            </a:r>
+            <a:r>
+              <a:rPr lang="en-GB" sz="1200" dirty="0" err="1">
+                <a:solidFill>
+                  <a:schemeClr val="bg1"/>
+                </a:solidFill>
+              </a:rPr>
+              <a:t>SongSelect</a:t>
+            </a:r>
+            <a:r>
+              <a:rPr lang="en-GB" sz="1200" dirty="0">
+                <a:solidFill>
+                  <a:schemeClr val="bg1"/>
+                </a:solidFill>
+              </a:rPr>
+              <a:t>® Terms of Use. All rights reserved. www.ccli.com</a:t>
+            </a:r>
+          </a:p>
+          <a:p>
+            <a:r>
+              <a:rPr lang="en-GB" sz="1200" dirty="0">
+                <a:solidFill>
+                  <a:schemeClr val="bg1"/>
+                </a:solidFill>
+              </a:rPr>
+              <a:t>CCLI Licence No. 33265</a:t>
+            </a:r>
+          </a:p>
+        </p:txBody>
+      </p:sp>
+    </p:spTree>
+    <p:extLst>
+      <p:ext uri="{BB962C8B-B14F-4D97-AF65-F5344CB8AC3E}">
+        <p14:creationId xmlns:p14="http://schemas.microsoft.com/office/powerpoint/2010/main" val="1712983164"/>
+      </p:ext>
+    </p:extLst>
+  </p:cSld>
+  <p:clrMapOvr>
+    <a:masterClrMapping/>
+  </p:clrMapOvr>
+</p:sld>
+</file>
+
+<file path=ppt/slides/slide62.xml><?xml version="1.0" encoding="utf-8"?>
+<p:sld xmlns:a="http://schemas.openxmlformats.org/drawingml/2006/main" xmlns:r="http://schemas.openxmlformats.org/officeDocument/2006/relationships" xmlns:p="http://schemas.openxmlformats.org/presentationml/2006/main">
+  <p:cSld>
+    <p:spTree>
+      <p:nvGrpSpPr>
+        <p:cNvPr id="1" name=""/>
+        <p:cNvGrpSpPr/>
+        <p:nvPr/>
+      </p:nvGrpSpPr>
+      <p:grpSpPr>
+        <a:xfrm>
+          <a:off x="0" y="0"/>
+          <a:ext cx="0" cy="0"/>
+          <a:chOff x="0" y="0"/>
+          <a:chExt cx="0" cy="0"/>
+        </a:xfrm>
+      </p:grpSpPr>
+      <p:sp>
+        <p:nvSpPr>
+          <p:cNvPr id="3" name="Subtitle 2"/>
+          <p:cNvSpPr>
+            <a:spLocks noGrp="1"/>
+          </p:cNvSpPr>
+          <p:nvPr>
+            <p:ph type="subTitle" idx="1"/>
+          </p:nvPr>
+        </p:nvSpPr>
+        <p:spPr>
+          <a:xfrm>
+            <a:off x="251520" y="692696"/>
+            <a:ext cx="8640960" cy="6480720"/>
+          </a:xfrm>
+        </p:spPr>
+        <p:txBody>
+          <a:bodyPr>
+            <a:noAutofit/>
+          </a:bodyPr>
+          <a:lstStyle/>
+          <a:p>
+            <a:r>
+              <a:rPr lang="en-GB" sz="3600" dirty="0">
+                <a:solidFill>
+                  <a:schemeClr val="bg1"/>
+                </a:solidFill>
+              </a:rPr>
+              <a:t>Jesus Christ</a:t>
+            </a:r>
+          </a:p>
+          <a:p>
+            <a:r>
+              <a:rPr lang="en-GB" sz="3600" dirty="0">
+                <a:solidFill>
+                  <a:schemeClr val="bg1"/>
+                </a:solidFill>
+              </a:rPr>
+              <a:t>I think upon Your sacrifice</a:t>
+            </a:r>
+          </a:p>
+          <a:p>
+            <a:r>
+              <a:rPr lang="en-GB" sz="3600" dirty="0">
+                <a:solidFill>
+                  <a:schemeClr val="bg1"/>
+                </a:solidFill>
+              </a:rPr>
+              <a:t>You became nothing</a:t>
+            </a:r>
+          </a:p>
+          <a:p>
+            <a:r>
+              <a:rPr lang="en-GB" sz="3600" dirty="0">
+                <a:solidFill>
+                  <a:schemeClr val="bg1"/>
+                </a:solidFill>
+              </a:rPr>
+              <a:t>Poured out to death</a:t>
+            </a:r>
+          </a:p>
+          <a:p>
+            <a:r>
+              <a:rPr lang="en-GB" sz="3600" dirty="0">
+                <a:solidFill>
+                  <a:schemeClr val="bg1"/>
+                </a:solidFill>
+              </a:rPr>
+              <a:t>Many times I've wondered</a:t>
+            </a:r>
+          </a:p>
+          <a:p>
+            <a:r>
+              <a:rPr lang="en-GB" sz="3600" dirty="0">
+                <a:solidFill>
+                  <a:schemeClr val="bg1"/>
+                </a:solidFill>
+              </a:rPr>
+              <a:t>At Your gift of life</a:t>
+            </a:r>
+          </a:p>
+          <a:p>
+            <a:r>
+              <a:rPr lang="en-GB" sz="3600" dirty="0">
+                <a:solidFill>
+                  <a:schemeClr val="bg1"/>
+                </a:solidFill>
+              </a:rPr>
+              <a:t>And I'm in that place once again</a:t>
+            </a:r>
+          </a:p>
+          <a:p>
+            <a:r>
+              <a:rPr lang="en-GB" sz="3600" dirty="0">
+                <a:solidFill>
+                  <a:schemeClr val="bg1"/>
+                </a:solidFill>
+              </a:rPr>
+              <a:t>I'm in that place once again</a:t>
+            </a:r>
+          </a:p>
+        </p:txBody>
+      </p:sp>
+      <p:sp>
+        <p:nvSpPr>
+          <p:cNvPr id="4" name="TextBox 3"/>
+          <p:cNvSpPr txBox="1"/>
+          <p:nvPr/>
+        </p:nvSpPr>
+        <p:spPr>
+          <a:xfrm>
+            <a:off x="8529729" y="0"/>
+            <a:ext cx="628698" cy="461665"/>
+          </a:xfrm>
+          <a:prstGeom prst="rect">
+            <a:avLst/>
+          </a:prstGeom>
+          <a:noFill/>
+        </p:spPr>
+        <p:txBody>
+          <a:bodyPr wrap="none" rtlCol="0">
+            <a:spAutoFit/>
+          </a:bodyPr>
+          <a:lstStyle/>
+          <a:p>
+            <a:r>
+              <a:rPr lang="en-GB" sz="2400" b="1" dirty="0">
+                <a:solidFill>
+                  <a:schemeClr val="bg1"/>
+                </a:solidFill>
+              </a:rPr>
+              <a:t>1/6</a:t>
+            </a:r>
+          </a:p>
+        </p:txBody>
+      </p:sp>
+    </p:spTree>
+    <p:extLst>
+      <p:ext uri="{BB962C8B-B14F-4D97-AF65-F5344CB8AC3E}">
+        <p14:creationId xmlns:p14="http://schemas.microsoft.com/office/powerpoint/2010/main" val="2207973787"/>
+      </p:ext>
+    </p:extLst>
+  </p:cSld>
+  <p:clrMapOvr>
+    <a:masterClrMapping/>
+  </p:clrMapOvr>
+</p:sld>
+</file>
+
+<file path=ppt/slides/slide63.xml><?xml version="1.0" encoding="utf-8"?>
+<p:sld xmlns:a="http://schemas.openxmlformats.org/drawingml/2006/main" xmlns:r="http://schemas.openxmlformats.org/officeDocument/2006/relationships" xmlns:p="http://schemas.openxmlformats.org/presentationml/2006/main">
+  <p:cSld>
+    <p:spTree>
+      <p:nvGrpSpPr>
+        <p:cNvPr id="1" name=""/>
+        <p:cNvGrpSpPr/>
+        <p:nvPr/>
+      </p:nvGrpSpPr>
+      <p:grpSpPr>
+        <a:xfrm>
+          <a:off x="0" y="0"/>
+          <a:ext cx="0" cy="0"/>
+          <a:chOff x="0" y="0"/>
+          <a:chExt cx="0" cy="0"/>
+        </a:xfrm>
+      </p:grpSpPr>
+      <p:sp>
+        <p:nvSpPr>
+          <p:cNvPr id="3" name="Subtitle 2"/>
+          <p:cNvSpPr>
+            <a:spLocks noGrp="1"/>
+          </p:cNvSpPr>
+          <p:nvPr>
+            <p:ph type="subTitle" idx="1"/>
+          </p:nvPr>
+        </p:nvSpPr>
+        <p:spPr>
+          <a:xfrm>
+            <a:off x="251520" y="692696"/>
+            <a:ext cx="8640960" cy="6480720"/>
+          </a:xfrm>
+        </p:spPr>
+        <p:txBody>
+          <a:bodyPr>
+            <a:noAutofit/>
+          </a:bodyPr>
+          <a:lstStyle/>
+          <a:p>
+            <a:r>
+              <a:rPr lang="en-GB" sz="3600" dirty="0">
+                <a:solidFill>
+                  <a:schemeClr val="bg1"/>
+                </a:solidFill>
+              </a:rPr>
+              <a:t>Once again</a:t>
+            </a:r>
+          </a:p>
+          <a:p>
+            <a:r>
+              <a:rPr lang="en-GB" sz="3600" dirty="0">
+                <a:solidFill>
+                  <a:schemeClr val="bg1"/>
+                </a:solidFill>
+              </a:rPr>
+              <a:t>I look upon the cross</a:t>
+            </a:r>
+          </a:p>
+          <a:p>
+            <a:r>
+              <a:rPr lang="en-GB" sz="3600" dirty="0">
+                <a:solidFill>
+                  <a:schemeClr val="bg1"/>
+                </a:solidFill>
+              </a:rPr>
+              <a:t>Where You died</a:t>
+            </a:r>
+          </a:p>
+          <a:p>
+            <a:r>
+              <a:rPr lang="en-GB" sz="3600" dirty="0">
+                <a:solidFill>
+                  <a:schemeClr val="bg1"/>
+                </a:solidFill>
+              </a:rPr>
+              <a:t>I'm humbled by Your mercy</a:t>
+            </a:r>
+          </a:p>
+          <a:p>
+            <a:r>
+              <a:rPr lang="en-GB" sz="3600" dirty="0">
+                <a:solidFill>
+                  <a:schemeClr val="bg1"/>
+                </a:solidFill>
+              </a:rPr>
+              <a:t>And I'm broken inside</a:t>
+            </a:r>
+          </a:p>
+          <a:p>
+            <a:r>
+              <a:rPr lang="en-GB" sz="3600" dirty="0">
+                <a:solidFill>
+                  <a:schemeClr val="bg1"/>
+                </a:solidFill>
+              </a:rPr>
+              <a:t>Once again I thank You</a:t>
+            </a:r>
+          </a:p>
+          <a:p>
+            <a:r>
+              <a:rPr lang="en-GB" sz="3600" dirty="0">
+                <a:solidFill>
+                  <a:schemeClr val="bg1"/>
+                </a:solidFill>
+              </a:rPr>
+              <a:t>Once again I pour out my life</a:t>
+            </a:r>
+          </a:p>
+        </p:txBody>
+      </p:sp>
+      <p:sp>
+        <p:nvSpPr>
+          <p:cNvPr id="4" name="TextBox 3"/>
+          <p:cNvSpPr txBox="1"/>
+          <p:nvPr/>
+        </p:nvSpPr>
+        <p:spPr>
+          <a:xfrm>
+            <a:off x="8529729" y="0"/>
+            <a:ext cx="628698" cy="461665"/>
+          </a:xfrm>
+          <a:prstGeom prst="rect">
+            <a:avLst/>
+          </a:prstGeom>
+          <a:noFill/>
+        </p:spPr>
+        <p:txBody>
+          <a:bodyPr wrap="none" rtlCol="0">
+            <a:spAutoFit/>
+          </a:bodyPr>
+          <a:lstStyle/>
+          <a:p>
+            <a:r>
+              <a:rPr lang="en-GB" sz="2400" b="1" dirty="0">
+                <a:solidFill>
+                  <a:schemeClr val="bg1"/>
+                </a:solidFill>
+              </a:rPr>
+              <a:t>2/6</a:t>
+            </a:r>
+          </a:p>
+        </p:txBody>
+      </p:sp>
+    </p:spTree>
+    <p:extLst>
+      <p:ext uri="{BB962C8B-B14F-4D97-AF65-F5344CB8AC3E}">
+        <p14:creationId xmlns:p14="http://schemas.microsoft.com/office/powerpoint/2010/main" val="2733827582"/>
+      </p:ext>
+    </p:extLst>
+  </p:cSld>
+  <p:clrMapOvr>
+    <a:masterClrMapping/>
+  </p:clrMapOvr>
+</p:sld>
+</file>
+
+<file path=ppt/slides/slide64.xml><?xml version="1.0" encoding="utf-8"?>
+<p:sld xmlns:a="http://schemas.openxmlformats.org/drawingml/2006/main" xmlns:r="http://schemas.openxmlformats.org/officeDocument/2006/relationships" xmlns:p="http://schemas.openxmlformats.org/presentationml/2006/main">
+  <p:cSld>
+    <p:spTree>
+      <p:nvGrpSpPr>
+        <p:cNvPr id="1" name=""/>
+        <p:cNvGrpSpPr/>
+        <p:nvPr/>
+      </p:nvGrpSpPr>
+      <p:grpSpPr>
+        <a:xfrm>
+          <a:off x="0" y="0"/>
+          <a:ext cx="0" cy="0"/>
+          <a:chOff x="0" y="0"/>
+          <a:chExt cx="0" cy="0"/>
+        </a:xfrm>
+      </p:grpSpPr>
+      <p:sp>
+        <p:nvSpPr>
+          <p:cNvPr id="3" name="Subtitle 2"/>
+          <p:cNvSpPr>
+            <a:spLocks noGrp="1"/>
+          </p:cNvSpPr>
+          <p:nvPr>
+            <p:ph type="subTitle" idx="1"/>
+          </p:nvPr>
+        </p:nvSpPr>
+        <p:spPr>
+          <a:xfrm>
+            <a:off x="251520" y="692696"/>
+            <a:ext cx="8640960" cy="6480720"/>
+          </a:xfrm>
+        </p:spPr>
+        <p:txBody>
+          <a:bodyPr>
+            <a:noAutofit/>
+          </a:bodyPr>
+          <a:lstStyle/>
+          <a:p>
+            <a:r>
+              <a:rPr lang="en-GB" sz="3600" dirty="0">
+                <a:solidFill>
+                  <a:schemeClr val="bg1"/>
+                </a:solidFill>
+              </a:rPr>
+              <a:t>Now You are</a:t>
+            </a:r>
+          </a:p>
+          <a:p>
+            <a:r>
+              <a:rPr lang="en-GB" sz="3600" dirty="0">
+                <a:solidFill>
+                  <a:schemeClr val="bg1"/>
+                </a:solidFill>
+              </a:rPr>
+              <a:t>Exalted to the highest place</a:t>
+            </a:r>
+          </a:p>
+          <a:p>
+            <a:r>
+              <a:rPr lang="en-GB" sz="3600" dirty="0">
+                <a:solidFill>
+                  <a:schemeClr val="bg1"/>
+                </a:solidFill>
+              </a:rPr>
+              <a:t>King of the heavens</a:t>
+            </a:r>
+          </a:p>
+          <a:p>
+            <a:r>
+              <a:rPr lang="en-GB" sz="3600" dirty="0">
+                <a:solidFill>
+                  <a:schemeClr val="bg1"/>
+                </a:solidFill>
+              </a:rPr>
+              <a:t>Where one day I'll bow</a:t>
+            </a:r>
+          </a:p>
+          <a:p>
+            <a:r>
+              <a:rPr lang="en-GB" sz="3600" dirty="0">
+                <a:solidFill>
+                  <a:schemeClr val="bg1"/>
+                </a:solidFill>
+              </a:rPr>
+              <a:t>But for now</a:t>
+            </a:r>
+          </a:p>
+          <a:p>
+            <a:r>
+              <a:rPr lang="en-GB" sz="3600" dirty="0">
+                <a:solidFill>
+                  <a:schemeClr val="bg1"/>
+                </a:solidFill>
+              </a:rPr>
+              <a:t>I marvel at this saving grace</a:t>
+            </a:r>
+          </a:p>
+          <a:p>
+            <a:r>
+              <a:rPr lang="en-GB" sz="3600" dirty="0">
+                <a:solidFill>
+                  <a:schemeClr val="bg1"/>
+                </a:solidFill>
+              </a:rPr>
+              <a:t>And I'm full of praise once again</a:t>
+            </a:r>
+          </a:p>
+          <a:p>
+            <a:r>
+              <a:rPr lang="en-GB" sz="3600" dirty="0">
+                <a:solidFill>
+                  <a:schemeClr val="bg1"/>
+                </a:solidFill>
+              </a:rPr>
+              <a:t>I'm full of praise once again</a:t>
+            </a:r>
+          </a:p>
+        </p:txBody>
+      </p:sp>
+      <p:sp>
+        <p:nvSpPr>
+          <p:cNvPr id="4" name="TextBox 3"/>
+          <p:cNvSpPr txBox="1"/>
+          <p:nvPr/>
+        </p:nvSpPr>
+        <p:spPr>
+          <a:xfrm>
+            <a:off x="8529729" y="0"/>
+            <a:ext cx="628698" cy="461665"/>
+          </a:xfrm>
+          <a:prstGeom prst="rect">
+            <a:avLst/>
+          </a:prstGeom>
+          <a:noFill/>
+        </p:spPr>
+        <p:txBody>
+          <a:bodyPr wrap="none" rtlCol="0">
+            <a:spAutoFit/>
+          </a:bodyPr>
+          <a:lstStyle/>
+          <a:p>
+            <a:r>
+              <a:rPr lang="en-GB" sz="2400" b="1" dirty="0">
+                <a:solidFill>
+                  <a:schemeClr val="bg1"/>
+                </a:solidFill>
+              </a:rPr>
+              <a:t>3/6</a:t>
+            </a:r>
+          </a:p>
+        </p:txBody>
+      </p:sp>
+    </p:spTree>
+    <p:extLst>
+      <p:ext uri="{BB962C8B-B14F-4D97-AF65-F5344CB8AC3E}">
+        <p14:creationId xmlns:p14="http://schemas.microsoft.com/office/powerpoint/2010/main" val="3429850865"/>
+      </p:ext>
+    </p:extLst>
+  </p:cSld>
+  <p:clrMapOvr>
+    <a:masterClrMapping/>
+  </p:clrMapOvr>
+</p:sld>
+</file>
+
+<file path=ppt/slides/slide65.xml><?xml version="1.0" encoding="utf-8"?>
+<p:sld xmlns:a="http://schemas.openxmlformats.org/drawingml/2006/main" xmlns:r="http://schemas.openxmlformats.org/officeDocument/2006/relationships" xmlns:p="http://schemas.openxmlformats.org/presentationml/2006/main">
+  <p:cSld>
+    <p:spTree>
+      <p:nvGrpSpPr>
+        <p:cNvPr id="1" name=""/>
+        <p:cNvGrpSpPr/>
+        <p:nvPr/>
+      </p:nvGrpSpPr>
+      <p:grpSpPr>
+        <a:xfrm>
+          <a:off x="0" y="0"/>
+          <a:ext cx="0" cy="0"/>
+          <a:chOff x="0" y="0"/>
+          <a:chExt cx="0" cy="0"/>
+        </a:xfrm>
+      </p:grpSpPr>
+      <p:sp>
+        <p:nvSpPr>
+          <p:cNvPr id="3" name="Subtitle 2"/>
+          <p:cNvSpPr>
+            <a:spLocks noGrp="1"/>
+          </p:cNvSpPr>
+          <p:nvPr>
+            <p:ph type="subTitle" idx="1"/>
+          </p:nvPr>
+        </p:nvSpPr>
+        <p:spPr>
+          <a:xfrm>
+            <a:off x="251520" y="692696"/>
+            <a:ext cx="8640960" cy="6480720"/>
+          </a:xfrm>
+        </p:spPr>
+        <p:txBody>
+          <a:bodyPr>
+            <a:noAutofit/>
+          </a:bodyPr>
+          <a:lstStyle/>
+          <a:p>
+            <a:r>
+              <a:rPr lang="en-GB" sz="3600" dirty="0">
+                <a:solidFill>
+                  <a:schemeClr val="bg1"/>
+                </a:solidFill>
+              </a:rPr>
+              <a:t>Once again</a:t>
+            </a:r>
+          </a:p>
+          <a:p>
+            <a:r>
+              <a:rPr lang="en-GB" sz="3600" dirty="0">
+                <a:solidFill>
+                  <a:schemeClr val="bg1"/>
+                </a:solidFill>
+              </a:rPr>
+              <a:t>I look upon the cross</a:t>
+            </a:r>
+          </a:p>
+          <a:p>
+            <a:r>
+              <a:rPr lang="en-GB" sz="3600" dirty="0">
+                <a:solidFill>
+                  <a:schemeClr val="bg1"/>
+                </a:solidFill>
+              </a:rPr>
+              <a:t>Where You died</a:t>
+            </a:r>
+          </a:p>
+          <a:p>
+            <a:r>
+              <a:rPr lang="en-GB" sz="3600" dirty="0">
+                <a:solidFill>
+                  <a:schemeClr val="bg1"/>
+                </a:solidFill>
+              </a:rPr>
+              <a:t>I'm humbled by Your mercy</a:t>
+            </a:r>
+          </a:p>
+          <a:p>
+            <a:r>
+              <a:rPr lang="en-GB" sz="3600" dirty="0">
+                <a:solidFill>
+                  <a:schemeClr val="bg1"/>
+                </a:solidFill>
+              </a:rPr>
+              <a:t>And I'm broken inside</a:t>
+            </a:r>
+          </a:p>
+          <a:p>
+            <a:r>
+              <a:rPr lang="en-GB" sz="3600" dirty="0">
+                <a:solidFill>
+                  <a:schemeClr val="bg1"/>
+                </a:solidFill>
+              </a:rPr>
+              <a:t>Once again I thank You</a:t>
+            </a:r>
+          </a:p>
+          <a:p>
+            <a:r>
+              <a:rPr lang="en-GB" sz="3600" dirty="0">
+                <a:solidFill>
+                  <a:schemeClr val="bg1"/>
+                </a:solidFill>
+              </a:rPr>
+              <a:t>Once again I pour out my life</a:t>
+            </a:r>
+          </a:p>
+          <a:p>
+            <a:endParaRPr lang="en-GB" sz="3600" dirty="0">
+              <a:solidFill>
+                <a:schemeClr val="bg1"/>
+              </a:solidFill>
+            </a:endParaRPr>
+          </a:p>
+        </p:txBody>
+      </p:sp>
+      <p:sp>
+        <p:nvSpPr>
+          <p:cNvPr id="4" name="TextBox 3"/>
+          <p:cNvSpPr txBox="1"/>
+          <p:nvPr/>
+        </p:nvSpPr>
+        <p:spPr>
+          <a:xfrm>
+            <a:off x="8529729" y="0"/>
+            <a:ext cx="628698" cy="461665"/>
+          </a:xfrm>
+          <a:prstGeom prst="rect">
+            <a:avLst/>
+          </a:prstGeom>
+          <a:noFill/>
+        </p:spPr>
+        <p:txBody>
+          <a:bodyPr wrap="none" rtlCol="0">
+            <a:spAutoFit/>
+          </a:bodyPr>
+          <a:lstStyle/>
+          <a:p>
+            <a:r>
+              <a:rPr lang="en-GB" sz="2400" b="1" dirty="0">
+                <a:solidFill>
+                  <a:schemeClr val="bg1"/>
+                </a:solidFill>
+              </a:rPr>
+              <a:t>4/6</a:t>
+            </a:r>
+          </a:p>
+        </p:txBody>
+      </p:sp>
+    </p:spTree>
+    <p:extLst>
+      <p:ext uri="{BB962C8B-B14F-4D97-AF65-F5344CB8AC3E}">
+        <p14:creationId xmlns:p14="http://schemas.microsoft.com/office/powerpoint/2010/main" val="2388932027"/>
+      </p:ext>
+    </p:extLst>
+  </p:cSld>
+  <p:clrMapOvr>
+    <a:masterClrMapping/>
+  </p:clrMapOvr>
+</p:sld>
+</file>
+
+<file path=ppt/slides/slide66.xml><?xml version="1.0" encoding="utf-8"?>
+<p:sld xmlns:a="http://schemas.openxmlformats.org/drawingml/2006/main" xmlns:r="http://schemas.openxmlformats.org/officeDocument/2006/relationships" xmlns:p="http://schemas.openxmlformats.org/presentationml/2006/main">
+  <p:cSld>
+    <p:spTree>
+      <p:nvGrpSpPr>
+        <p:cNvPr id="1" name=""/>
+        <p:cNvGrpSpPr/>
+        <p:nvPr/>
+      </p:nvGrpSpPr>
+      <p:grpSpPr>
+        <a:xfrm>
+          <a:off x="0" y="0"/>
+          <a:ext cx="0" cy="0"/>
+          <a:chOff x="0" y="0"/>
+          <a:chExt cx="0" cy="0"/>
+        </a:xfrm>
+      </p:grpSpPr>
+      <p:sp>
+        <p:nvSpPr>
+          <p:cNvPr id="3" name="Subtitle 2"/>
+          <p:cNvSpPr>
+            <a:spLocks noGrp="1"/>
+          </p:cNvSpPr>
+          <p:nvPr>
+            <p:ph type="subTitle" idx="1"/>
+          </p:nvPr>
+        </p:nvSpPr>
+        <p:spPr>
+          <a:xfrm>
+            <a:off x="251520" y="692696"/>
+            <a:ext cx="8640960" cy="6480720"/>
+          </a:xfrm>
+        </p:spPr>
+        <p:txBody>
+          <a:bodyPr>
+            <a:noAutofit/>
+          </a:bodyPr>
+          <a:lstStyle/>
+          <a:p>
+            <a:r>
+              <a:rPr lang="en-GB" sz="3600" dirty="0">
+                <a:solidFill>
+                  <a:schemeClr val="bg1"/>
+                </a:solidFill>
+              </a:rPr>
+              <a:t>Thank You for the cross</a:t>
+            </a:r>
+          </a:p>
+          <a:p>
+            <a:r>
+              <a:rPr lang="en-GB" sz="3600" dirty="0">
+                <a:solidFill>
+                  <a:schemeClr val="bg1"/>
+                </a:solidFill>
+              </a:rPr>
+              <a:t>Thank You for the cross</a:t>
+            </a:r>
+          </a:p>
+          <a:p>
+            <a:r>
+              <a:rPr lang="en-GB" sz="3600" dirty="0">
+                <a:solidFill>
+                  <a:schemeClr val="bg1"/>
+                </a:solidFill>
+              </a:rPr>
+              <a:t>Thank You for the cross my Friend</a:t>
+            </a:r>
+          </a:p>
+        </p:txBody>
+      </p:sp>
+      <p:sp>
+        <p:nvSpPr>
+          <p:cNvPr id="4" name="TextBox 3"/>
+          <p:cNvSpPr txBox="1"/>
+          <p:nvPr/>
+        </p:nvSpPr>
+        <p:spPr>
+          <a:xfrm>
+            <a:off x="8529729" y="0"/>
+            <a:ext cx="628698" cy="461665"/>
+          </a:xfrm>
+          <a:prstGeom prst="rect">
+            <a:avLst/>
+          </a:prstGeom>
+          <a:noFill/>
+        </p:spPr>
+        <p:txBody>
+          <a:bodyPr wrap="none" rtlCol="0">
+            <a:spAutoFit/>
+          </a:bodyPr>
+          <a:lstStyle/>
+          <a:p>
+            <a:r>
+              <a:rPr lang="en-GB" sz="2400" b="1" dirty="0">
+                <a:solidFill>
+                  <a:schemeClr val="bg1"/>
+                </a:solidFill>
+              </a:rPr>
+              <a:t>5/6</a:t>
+            </a:r>
+          </a:p>
+        </p:txBody>
+      </p:sp>
+    </p:spTree>
+    <p:extLst>
+      <p:ext uri="{BB962C8B-B14F-4D97-AF65-F5344CB8AC3E}">
+        <p14:creationId xmlns:p14="http://schemas.microsoft.com/office/powerpoint/2010/main" val="350977364"/>
+      </p:ext>
+    </p:extLst>
+  </p:cSld>
+  <p:clrMapOvr>
+    <a:masterClrMapping/>
+  </p:clrMapOvr>
+</p:sld>
+</file>
+
+<file path=ppt/slides/slide67.xml><?xml version="1.0" encoding="utf-8"?>
+<p:sld xmlns:a="http://schemas.openxmlformats.org/drawingml/2006/main" xmlns:r="http://schemas.openxmlformats.org/officeDocument/2006/relationships" xmlns:p="http://schemas.openxmlformats.org/presentationml/2006/main">
+  <p:cSld>
+    <p:spTree>
+      <p:nvGrpSpPr>
+        <p:cNvPr id="1" name=""/>
+        <p:cNvGrpSpPr/>
+        <p:nvPr/>
+      </p:nvGrpSpPr>
+      <p:grpSpPr>
+        <a:xfrm>
+          <a:off x="0" y="0"/>
+          <a:ext cx="0" cy="0"/>
+          <a:chOff x="0" y="0"/>
+          <a:chExt cx="0" cy="0"/>
+        </a:xfrm>
+      </p:grpSpPr>
+      <p:sp>
+        <p:nvSpPr>
+          <p:cNvPr id="3" name="Subtitle 2"/>
+          <p:cNvSpPr>
+            <a:spLocks noGrp="1"/>
+          </p:cNvSpPr>
+          <p:nvPr>
+            <p:ph type="subTitle" idx="1"/>
+          </p:nvPr>
+        </p:nvSpPr>
+        <p:spPr>
+          <a:xfrm>
+            <a:off x="251520" y="692696"/>
+            <a:ext cx="8640960" cy="6480720"/>
+          </a:xfrm>
+        </p:spPr>
+        <p:txBody>
+          <a:bodyPr>
+            <a:noAutofit/>
+          </a:bodyPr>
+          <a:lstStyle/>
+          <a:p>
+            <a:r>
+              <a:rPr lang="en-GB" sz="3600" dirty="0">
+                <a:solidFill>
+                  <a:schemeClr val="bg1"/>
+                </a:solidFill>
+              </a:rPr>
+              <a:t>Once again</a:t>
+            </a:r>
+          </a:p>
+          <a:p>
+            <a:r>
+              <a:rPr lang="en-GB" sz="3600" dirty="0">
+                <a:solidFill>
+                  <a:schemeClr val="bg1"/>
+                </a:solidFill>
+              </a:rPr>
+              <a:t>I look upon the cross</a:t>
+            </a:r>
+          </a:p>
+          <a:p>
+            <a:r>
+              <a:rPr lang="en-GB" sz="3600" dirty="0">
+                <a:solidFill>
+                  <a:schemeClr val="bg1"/>
+                </a:solidFill>
+              </a:rPr>
+              <a:t>Where You died</a:t>
+            </a:r>
+          </a:p>
+          <a:p>
+            <a:r>
+              <a:rPr lang="en-GB" sz="3600" dirty="0">
+                <a:solidFill>
+                  <a:schemeClr val="bg1"/>
+                </a:solidFill>
+              </a:rPr>
+              <a:t>I'm humbled by Your mercy</a:t>
+            </a:r>
+          </a:p>
+          <a:p>
+            <a:r>
+              <a:rPr lang="en-GB" sz="3600" dirty="0">
+                <a:solidFill>
+                  <a:schemeClr val="bg1"/>
+                </a:solidFill>
+              </a:rPr>
+              <a:t>And I'm broken inside</a:t>
+            </a:r>
+          </a:p>
+          <a:p>
+            <a:r>
+              <a:rPr lang="en-GB" sz="3600" dirty="0">
+                <a:solidFill>
+                  <a:schemeClr val="bg1"/>
+                </a:solidFill>
+              </a:rPr>
+              <a:t>Once again I thank You</a:t>
+            </a:r>
+          </a:p>
+          <a:p>
+            <a:r>
+              <a:rPr lang="en-GB" sz="3600" dirty="0">
+                <a:solidFill>
+                  <a:schemeClr val="bg1"/>
+                </a:solidFill>
+              </a:rPr>
+              <a:t>Once again I pour out my life</a:t>
+            </a:r>
+          </a:p>
+          <a:p>
+            <a:endParaRPr lang="en-GB" sz="3600" dirty="0">
+              <a:solidFill>
+                <a:schemeClr val="bg1"/>
+              </a:solidFill>
+            </a:endParaRPr>
+          </a:p>
+          <a:p>
+            <a:endParaRPr lang="en-GB" sz="3600" dirty="0">
+              <a:solidFill>
+                <a:schemeClr val="bg1"/>
+              </a:solidFill>
+            </a:endParaRPr>
+          </a:p>
+        </p:txBody>
+      </p:sp>
+      <p:sp>
+        <p:nvSpPr>
+          <p:cNvPr id="4" name="TextBox 3"/>
+          <p:cNvSpPr txBox="1"/>
+          <p:nvPr/>
+        </p:nvSpPr>
+        <p:spPr>
+          <a:xfrm>
+            <a:off x="8529729" y="0"/>
+            <a:ext cx="628698" cy="461665"/>
+          </a:xfrm>
+          <a:prstGeom prst="rect">
+            <a:avLst/>
+          </a:prstGeom>
+          <a:noFill/>
+        </p:spPr>
+        <p:txBody>
+          <a:bodyPr wrap="none" rtlCol="0">
+            <a:spAutoFit/>
+          </a:bodyPr>
+          <a:lstStyle/>
+          <a:p>
+            <a:r>
+              <a:rPr lang="en-GB" sz="2400" b="1" dirty="0">
+                <a:solidFill>
+                  <a:schemeClr val="bg1"/>
+                </a:solidFill>
+              </a:rPr>
+              <a:t>6/6</a:t>
+            </a:r>
+          </a:p>
+        </p:txBody>
+      </p:sp>
+    </p:spTree>
+    <p:extLst>
+      <p:ext uri="{BB962C8B-B14F-4D97-AF65-F5344CB8AC3E}">
+        <p14:creationId xmlns:p14="http://schemas.microsoft.com/office/powerpoint/2010/main" val="3623991645"/>
       </p:ext>
     </p:extLst>
   </p:cSld>
